--- a/4장/20164091-송희령-4주차 과제.pptx
+++ b/4장/20164091-송희령-4주차 과제.pptx
@@ -13,7 +13,13 @@
     <p:sldId id="312" r:id="rId7"/>
     <p:sldId id="313" r:id="rId8"/>
     <p:sldId id="314" r:id="rId9"/>
-    <p:sldId id="258" r:id="rId10"/>
+    <p:sldId id="315" r:id="rId10"/>
+    <p:sldId id="316" r:id="rId11"/>
+    <p:sldId id="317" r:id="rId12"/>
+    <p:sldId id="319" r:id="rId13"/>
+    <p:sldId id="321" r:id="rId14"/>
+    <p:sldId id="320" r:id="rId15"/>
+    <p:sldId id="258" r:id="rId16"/>
   </p:sldIdLst>
   <p:sldSz cx="12192000" cy="6858000"/>
   <p:notesSz cx="6858000" cy="9144000"/>
@@ -274,7 +280,7 @@
                 </a:solidFill>
               </a:rPr>
               <a:pPr/>
-              <a:t>2021. 9. 23.</a:t>
+              <a:t>2021. 9. 28.</a:t>
             </a:fld>
             <a:endParaRPr lang="ko-KR" altLang="en-US">
               <a:solidFill>
@@ -504,7 +510,7 @@
                 </a:solidFill>
               </a:rPr>
               <a:pPr/>
-              <a:t>2021. 9. 23.</a:t>
+              <a:t>2021. 9. 28.</a:t>
             </a:fld>
             <a:endParaRPr lang="ko-KR" altLang="en-US">
               <a:solidFill>
@@ -744,7 +750,7 @@
                 </a:solidFill>
               </a:rPr>
               <a:pPr/>
-              <a:t>2021. 9. 23.</a:t>
+              <a:t>2021. 9. 28.</a:t>
             </a:fld>
             <a:endParaRPr lang="ko-KR" altLang="en-US">
               <a:solidFill>
@@ -974,7 +980,7 @@
                 </a:solidFill>
               </a:rPr>
               <a:pPr/>
-              <a:t>2021. 9. 23.</a:t>
+              <a:t>2021. 9. 28.</a:t>
             </a:fld>
             <a:endParaRPr lang="ko-KR" altLang="en-US">
               <a:solidFill>
@@ -1281,7 +1287,7 @@
                 </a:solidFill>
               </a:rPr>
               <a:pPr/>
-              <a:t>2021. 9. 23.</a:t>
+              <a:t>2021. 9. 28.</a:t>
             </a:fld>
             <a:endParaRPr lang="ko-KR" altLang="en-US">
               <a:solidFill>
@@ -1578,7 +1584,7 @@
                 </a:solidFill>
               </a:rPr>
               <a:pPr/>
-              <a:t>2021. 9. 23.</a:t>
+              <a:t>2021. 9. 28.</a:t>
             </a:fld>
             <a:endParaRPr lang="ko-KR" altLang="en-US">
               <a:solidFill>
@@ -2022,7 +2028,7 @@
                 </a:solidFill>
               </a:rPr>
               <a:pPr/>
-              <a:t>2021. 9. 23.</a:t>
+              <a:t>2021. 9. 28.</a:t>
             </a:fld>
             <a:endParaRPr lang="ko-KR" altLang="en-US">
               <a:solidFill>
@@ -2195,7 +2201,7 @@
                 </a:solidFill>
               </a:rPr>
               <a:pPr/>
-              <a:t>2021. 9. 23.</a:t>
+              <a:t>2021. 9. 28.</a:t>
             </a:fld>
             <a:endParaRPr lang="ko-KR" altLang="en-US">
               <a:solidFill>
@@ -2340,7 +2346,7 @@
                 </a:solidFill>
               </a:rPr>
               <a:pPr/>
-              <a:t>2021. 9. 23.</a:t>
+              <a:t>2021. 9. 28.</a:t>
             </a:fld>
             <a:endParaRPr lang="ko-KR" altLang="en-US">
               <a:solidFill>
@@ -2683,7 +2689,7 @@
                 </a:solidFill>
               </a:rPr>
               <a:pPr/>
-              <a:t>2021. 9. 23.</a:t>
+              <a:t>2021. 9. 28.</a:t>
             </a:fld>
             <a:endParaRPr lang="ko-KR" altLang="en-US">
               <a:solidFill>
@@ -3003,7 +3009,7 @@
                 </a:solidFill>
               </a:rPr>
               <a:pPr/>
-              <a:t>2021. 9. 23.</a:t>
+              <a:t>2021. 9. 28.</a:t>
             </a:fld>
             <a:endParaRPr lang="ko-KR" altLang="en-US">
               <a:solidFill>
@@ -3276,7 +3282,7 @@
                 </a:solidFill>
               </a:rPr>
               <a:pPr/>
-              <a:t>2021. 9. 23.</a:t>
+              <a:t>2021. 9. 28.</a:t>
             </a:fld>
             <a:endParaRPr lang="ko-KR" altLang="en-US">
               <a:solidFill>
@@ -4104,6 +4110,3713 @@
 </p:sld>
 </file>
 
+<file path=ppt/slides/slide10.xml><?xml version="1.0" encoding="utf-8"?>
+<p:sld xmlns:a="http://schemas.openxmlformats.org/drawingml/2006/main" xmlns:r="http://schemas.openxmlformats.org/officeDocument/2006/relationships" xmlns:p="http://schemas.openxmlformats.org/presentationml/2006/main">
+  <p:cSld>
+    <p:spTree>
+      <p:nvGrpSpPr>
+        <p:cNvPr id="1" name=""/>
+        <p:cNvGrpSpPr/>
+        <p:nvPr/>
+      </p:nvGrpSpPr>
+      <p:grpSpPr>
+        <a:xfrm>
+          <a:off x="0" y="0"/>
+          <a:ext cx="0" cy="0"/>
+          <a:chOff x="0" y="0"/>
+          <a:chExt cx="0" cy="0"/>
+        </a:xfrm>
+      </p:grpSpPr>
+      <p:pic>
+        <p:nvPicPr>
+          <p:cNvPr id="4" name="그림 3">
+            <a:extLst>
+              <a:ext uri="{FF2B5EF4-FFF2-40B4-BE49-F238E27FC236}">
+                <a16:creationId xmlns:a16="http://schemas.microsoft.com/office/drawing/2014/main" id="{52747ADF-E9A7-C64A-B86E-47886008009A}"/>
+              </a:ext>
+            </a:extLst>
+          </p:cNvPr>
+          <p:cNvPicPr>
+            <a:picLocks noChangeAspect="1"/>
+          </p:cNvPicPr>
+          <p:nvPr/>
+        </p:nvPicPr>
+        <p:blipFill>
+          <a:blip r:embed="rId2"/>
+          <a:stretch>
+            <a:fillRect/>
+          </a:stretch>
+        </p:blipFill>
+        <p:spPr>
+          <a:xfrm>
+            <a:off x="253367" y="1274834"/>
+            <a:ext cx="5513379" cy="3063911"/>
+          </a:xfrm>
+          <a:prstGeom prst="rect">
+            <a:avLst/>
+          </a:prstGeom>
+        </p:spPr>
+      </p:pic>
+      <p:sp>
+        <p:nvSpPr>
+          <p:cNvPr id="37" name="직사각형 36">
+            <a:extLst>
+              <a:ext uri="{FF2B5EF4-FFF2-40B4-BE49-F238E27FC236}">
+                <a16:creationId xmlns:a16="http://schemas.microsoft.com/office/drawing/2014/main" id="{3F15C60C-17FE-422D-AFCF-73C75A021362}"/>
+              </a:ext>
+            </a:extLst>
+          </p:cNvPr>
+          <p:cNvSpPr/>
+          <p:nvPr/>
+        </p:nvSpPr>
+        <p:spPr>
+          <a:xfrm>
+            <a:off x="3697172" y="332194"/>
+            <a:ext cx="4713765" cy="735842"/>
+          </a:xfrm>
+          <a:prstGeom prst="rect">
+            <a:avLst/>
+          </a:prstGeom>
+        </p:spPr>
+        <p:txBody>
+          <a:bodyPr wrap="square">
+            <a:spAutoFit/>
+          </a:bodyPr>
+          <a:lstStyle/>
+          <a:p>
+            <a:pPr algn="ctr" latinLnBrk="0">
+              <a:lnSpc>
+                <a:spcPct val="150000"/>
+              </a:lnSpc>
+              <a:defRPr/>
+            </a:pPr>
+            <a:r>
+              <a:rPr lang="en-US" altLang="ko-KR" sz="3200" b="1" i="1" kern="0" dirty="0">
+                <a:solidFill>
+                  <a:srgbClr val="FF7876"/>
+                </a:solidFill>
+              </a:rPr>
+              <a:t>3</a:t>
+            </a:r>
+          </a:p>
+        </p:txBody>
+      </p:sp>
+      <p:cxnSp>
+        <p:nvCxnSpPr>
+          <p:cNvPr id="38" name="직선 연결선 37">
+            <a:extLst>
+              <a:ext uri="{FF2B5EF4-FFF2-40B4-BE49-F238E27FC236}">
+                <a16:creationId xmlns:a16="http://schemas.microsoft.com/office/drawing/2014/main" id="{940134F4-F272-426A-B50B-8075427DF501}"/>
+              </a:ext>
+            </a:extLst>
+          </p:cNvPr>
+          <p:cNvCxnSpPr>
+            <a:cxnSpLocks/>
+          </p:cNvCxnSpPr>
+          <p:nvPr/>
+        </p:nvCxnSpPr>
+        <p:spPr>
+          <a:xfrm flipV="1">
+            <a:off x="843148" y="847712"/>
+            <a:ext cx="4769087" cy="1"/>
+          </a:xfrm>
+          <a:prstGeom prst="line">
+            <a:avLst/>
+          </a:prstGeom>
+          <a:ln w="6350">
+            <a:solidFill>
+              <a:srgbClr val="FF7876"/>
+            </a:solidFill>
+            <a:prstDash val="sysDash"/>
+            <a:tailEnd type="oval"/>
+          </a:ln>
+        </p:spPr>
+        <p:style>
+          <a:lnRef idx="1">
+            <a:schemeClr val="accent1"/>
+          </a:lnRef>
+          <a:fillRef idx="0">
+            <a:schemeClr val="accent1"/>
+          </a:fillRef>
+          <a:effectRef idx="0">
+            <a:schemeClr val="accent1"/>
+          </a:effectRef>
+          <a:fontRef idx="minor">
+            <a:schemeClr val="tx1"/>
+          </a:fontRef>
+        </p:style>
+      </p:cxnSp>
+      <p:cxnSp>
+        <p:nvCxnSpPr>
+          <p:cNvPr id="39" name="직선 연결선 38">
+            <a:extLst>
+              <a:ext uri="{FF2B5EF4-FFF2-40B4-BE49-F238E27FC236}">
+                <a16:creationId xmlns:a16="http://schemas.microsoft.com/office/drawing/2014/main" id="{55EBD739-0979-4546-8E6B-9CA8052FC540}"/>
+              </a:ext>
+            </a:extLst>
+          </p:cNvPr>
+          <p:cNvCxnSpPr>
+            <a:cxnSpLocks/>
+          </p:cNvCxnSpPr>
+          <p:nvPr/>
+        </p:nvCxnSpPr>
+        <p:spPr>
+          <a:xfrm flipH="1">
+            <a:off x="6579767" y="847712"/>
+            <a:ext cx="4692810" cy="0"/>
+          </a:xfrm>
+          <a:prstGeom prst="line">
+            <a:avLst/>
+          </a:prstGeom>
+          <a:ln w="6350">
+            <a:solidFill>
+              <a:srgbClr val="FF7876"/>
+            </a:solidFill>
+            <a:prstDash val="sysDash"/>
+            <a:tailEnd type="oval"/>
+          </a:ln>
+        </p:spPr>
+        <p:style>
+          <a:lnRef idx="1">
+            <a:schemeClr val="accent1"/>
+          </a:lnRef>
+          <a:fillRef idx="0">
+            <a:schemeClr val="accent1"/>
+          </a:fillRef>
+          <a:effectRef idx="0">
+            <a:schemeClr val="accent1"/>
+          </a:effectRef>
+          <a:fontRef idx="minor">
+            <a:schemeClr val="tx1"/>
+          </a:fontRef>
+        </p:style>
+      </p:cxnSp>
+      <p:sp>
+        <p:nvSpPr>
+          <p:cNvPr id="8" name="TextBox 7">
+            <a:extLst>
+              <a:ext uri="{FF2B5EF4-FFF2-40B4-BE49-F238E27FC236}">
+                <a16:creationId xmlns:a16="http://schemas.microsoft.com/office/drawing/2014/main" id="{C18154B9-4F65-4277-8C17-63D9702FC25F}"/>
+              </a:ext>
+            </a:extLst>
+          </p:cNvPr>
+          <p:cNvSpPr txBox="1"/>
+          <p:nvPr/>
+        </p:nvSpPr>
+        <p:spPr>
+          <a:xfrm>
+            <a:off x="765146" y="963122"/>
+            <a:ext cx="10507430" cy="261610"/>
+          </a:xfrm>
+          <a:prstGeom prst="rect">
+            <a:avLst/>
+          </a:prstGeom>
+          <a:noFill/>
+        </p:spPr>
+        <p:txBody>
+          <a:bodyPr wrap="square" rtlCol="0">
+            <a:spAutoFit/>
+          </a:bodyPr>
+          <a:lstStyle/>
+          <a:p>
+            <a:pPr algn="ctr"/>
+            <a:r>
+              <a:rPr lang="ko-Kore-KR" altLang="en-US" sz="1100" i="1" dirty="0">
+                <a:solidFill>
+                  <a:srgbClr val="FF7876"/>
+                </a:solidFill>
+              </a:rPr>
+              <a:t>임의 프로그램 </a:t>
+            </a:r>
+            <a:r>
+              <a:rPr lang="en-US" altLang="ko-Kore-KR" sz="1100" i="1" dirty="0">
+                <a:solidFill>
+                  <a:srgbClr val="FF7876"/>
+                </a:solidFill>
+              </a:rPr>
+              <a:t>– </a:t>
+            </a:r>
+            <a:r>
+              <a:rPr lang="ko-Kore-KR" altLang="en-US" sz="1100" i="1" dirty="0">
+                <a:solidFill>
+                  <a:srgbClr val="FF7876"/>
+                </a:solidFill>
+              </a:rPr>
+              <a:t>오늘의 운세 정보</a:t>
+            </a:r>
+            <a:endParaRPr lang="en-US" altLang="ko-KR" sz="1100" i="1" dirty="0">
+              <a:solidFill>
+                <a:srgbClr val="FF7876"/>
+              </a:solidFill>
+            </a:endParaRPr>
+          </a:p>
+        </p:txBody>
+      </p:sp>
+      <p:sp>
+        <p:nvSpPr>
+          <p:cNvPr id="31" name="오른쪽 중괄호[R] 30">
+            <a:extLst>
+              <a:ext uri="{FF2B5EF4-FFF2-40B4-BE49-F238E27FC236}">
+                <a16:creationId xmlns:a16="http://schemas.microsoft.com/office/drawing/2014/main" id="{2415603D-FFD5-0547-B3D1-B4497841B56A}"/>
+              </a:ext>
+            </a:extLst>
+          </p:cNvPr>
+          <p:cNvSpPr/>
+          <p:nvPr/>
+        </p:nvSpPr>
+        <p:spPr>
+          <a:xfrm>
+            <a:off x="5645787" y="2982792"/>
+            <a:ext cx="241918" cy="409118"/>
+          </a:xfrm>
+          <a:prstGeom prst="rightBrace">
+            <a:avLst/>
+          </a:prstGeom>
+          <a:ln w="12700">
+            <a:solidFill>
+              <a:srgbClr val="FF7876"/>
+            </a:solidFill>
+          </a:ln>
+        </p:spPr>
+        <p:style>
+          <a:lnRef idx="1">
+            <a:schemeClr val="accent1"/>
+          </a:lnRef>
+          <a:fillRef idx="0">
+            <a:schemeClr val="accent1"/>
+          </a:fillRef>
+          <a:effectRef idx="0">
+            <a:schemeClr val="accent1"/>
+          </a:effectRef>
+          <a:fontRef idx="minor">
+            <a:schemeClr val="tx1"/>
+          </a:fontRef>
+        </p:style>
+        <p:txBody>
+          <a:bodyPr rtlCol="0" anchor="ctr"/>
+          <a:lstStyle/>
+          <a:p>
+            <a:pPr algn="ctr"/>
+            <a:endParaRPr kumimoji="1" lang="ko-Kore-KR" altLang="en-US" dirty="0"/>
+          </a:p>
+        </p:txBody>
+      </p:sp>
+      <p:cxnSp>
+        <p:nvCxnSpPr>
+          <p:cNvPr id="35" name="직선 화살표 연결선 34">
+            <a:extLst>
+              <a:ext uri="{FF2B5EF4-FFF2-40B4-BE49-F238E27FC236}">
+                <a16:creationId xmlns:a16="http://schemas.microsoft.com/office/drawing/2014/main" id="{C0206071-8821-0047-BDA8-92370769D405}"/>
+              </a:ext>
+            </a:extLst>
+          </p:cNvPr>
+          <p:cNvCxnSpPr>
+            <a:cxnSpLocks/>
+            <a:endCxn id="40" idx="1"/>
+          </p:cNvCxnSpPr>
+          <p:nvPr/>
+        </p:nvCxnSpPr>
+        <p:spPr>
+          <a:xfrm>
+            <a:off x="5887705" y="3191062"/>
+            <a:ext cx="654156" cy="630615"/>
+          </a:xfrm>
+          <a:prstGeom prst="straightConnector1">
+            <a:avLst/>
+          </a:prstGeom>
+          <a:ln w="12700">
+            <a:solidFill>
+              <a:srgbClr val="FF7876"/>
+            </a:solidFill>
+            <a:tailEnd type="triangle"/>
+          </a:ln>
+        </p:spPr>
+        <p:style>
+          <a:lnRef idx="1">
+            <a:schemeClr val="accent1"/>
+          </a:lnRef>
+          <a:fillRef idx="0">
+            <a:schemeClr val="accent1"/>
+          </a:fillRef>
+          <a:effectRef idx="0">
+            <a:schemeClr val="accent1"/>
+          </a:effectRef>
+          <a:fontRef idx="minor">
+            <a:schemeClr val="tx1"/>
+          </a:fontRef>
+        </p:style>
+      </p:cxnSp>
+      <p:sp>
+        <p:nvSpPr>
+          <p:cNvPr id="40" name="TextBox 39">
+            <a:extLst>
+              <a:ext uri="{FF2B5EF4-FFF2-40B4-BE49-F238E27FC236}">
+                <a16:creationId xmlns:a16="http://schemas.microsoft.com/office/drawing/2014/main" id="{06903668-0D13-DE46-AAF3-93369858E114}"/>
+              </a:ext>
+            </a:extLst>
+          </p:cNvPr>
+          <p:cNvSpPr txBox="1"/>
+          <p:nvPr/>
+        </p:nvSpPr>
+        <p:spPr>
+          <a:xfrm>
+            <a:off x="6541861" y="3606233"/>
+            <a:ext cx="4523448" cy="430887"/>
+          </a:xfrm>
+          <a:prstGeom prst="rect">
+            <a:avLst/>
+          </a:prstGeom>
+          <a:noFill/>
+          <a:ln w="12700">
+            <a:solidFill>
+              <a:srgbClr val="FF7876"/>
+            </a:solidFill>
+          </a:ln>
+        </p:spPr>
+        <p:txBody>
+          <a:bodyPr wrap="square" rtlCol="0">
+            <a:spAutoFit/>
+          </a:bodyPr>
+          <a:lstStyle/>
+          <a:p>
+            <a:pPr algn="ctr"/>
+            <a:r>
+              <a:rPr lang="ko-KR" altLang="en-US" sz="1100" dirty="0"/>
+              <a:t>메인페이지에서</a:t>
+            </a:r>
+            <a:endParaRPr lang="en-US" altLang="ko-KR" sz="1100" dirty="0"/>
+          </a:p>
+          <a:p>
+            <a:pPr algn="ctr"/>
+            <a:r>
+              <a:rPr lang="ko-KR" altLang="en-US" sz="1100" dirty="0"/>
+              <a:t>해당 페이지  설명에 대한 부분을 나타내줍니다</a:t>
+            </a:r>
+            <a:r>
+              <a:rPr lang="en-US" altLang="ko-KR" sz="1100" dirty="0"/>
+              <a:t>.</a:t>
+            </a:r>
+          </a:p>
+        </p:txBody>
+      </p:sp>
+      <p:sp>
+        <p:nvSpPr>
+          <p:cNvPr id="33" name="오른쪽 중괄호[R] 32">
+            <a:extLst>
+              <a:ext uri="{FF2B5EF4-FFF2-40B4-BE49-F238E27FC236}">
+                <a16:creationId xmlns:a16="http://schemas.microsoft.com/office/drawing/2014/main" id="{E1D02BCB-3B99-B644-9B3E-94FF649B908C}"/>
+              </a:ext>
+            </a:extLst>
+          </p:cNvPr>
+          <p:cNvSpPr/>
+          <p:nvPr/>
+        </p:nvSpPr>
+        <p:spPr>
+          <a:xfrm>
+            <a:off x="2431900" y="2285528"/>
+            <a:ext cx="241918" cy="409118"/>
+          </a:xfrm>
+          <a:prstGeom prst="rightBrace">
+            <a:avLst/>
+          </a:prstGeom>
+          <a:ln w="12700">
+            <a:solidFill>
+              <a:srgbClr val="FF7876"/>
+            </a:solidFill>
+          </a:ln>
+        </p:spPr>
+        <p:style>
+          <a:lnRef idx="1">
+            <a:schemeClr val="accent1"/>
+          </a:lnRef>
+          <a:fillRef idx="0">
+            <a:schemeClr val="accent1"/>
+          </a:fillRef>
+          <a:effectRef idx="0">
+            <a:schemeClr val="accent1"/>
+          </a:effectRef>
+          <a:fontRef idx="minor">
+            <a:schemeClr val="tx1"/>
+          </a:fontRef>
+        </p:style>
+        <p:txBody>
+          <a:bodyPr rtlCol="0" anchor="ctr"/>
+          <a:lstStyle/>
+          <a:p>
+            <a:pPr algn="ctr"/>
+            <a:endParaRPr kumimoji="1" lang="ko-Kore-KR" altLang="en-US" dirty="0"/>
+          </a:p>
+        </p:txBody>
+      </p:sp>
+      <p:cxnSp>
+        <p:nvCxnSpPr>
+          <p:cNvPr id="36" name="직선 화살표 연결선 35">
+            <a:extLst>
+              <a:ext uri="{FF2B5EF4-FFF2-40B4-BE49-F238E27FC236}">
+                <a16:creationId xmlns:a16="http://schemas.microsoft.com/office/drawing/2014/main" id="{5C31DDE1-EAC0-4C4C-8DC3-D0782BCCBD94}"/>
+              </a:ext>
+            </a:extLst>
+          </p:cNvPr>
+          <p:cNvCxnSpPr>
+            <a:cxnSpLocks/>
+          </p:cNvCxnSpPr>
+          <p:nvPr/>
+        </p:nvCxnSpPr>
+        <p:spPr>
+          <a:xfrm flipV="1">
+            <a:off x="2665726" y="2370966"/>
+            <a:ext cx="3353135" cy="111030"/>
+          </a:xfrm>
+          <a:prstGeom prst="straightConnector1">
+            <a:avLst/>
+          </a:prstGeom>
+          <a:ln w="12700">
+            <a:solidFill>
+              <a:srgbClr val="FF7876"/>
+            </a:solidFill>
+            <a:tailEnd type="triangle"/>
+          </a:ln>
+        </p:spPr>
+        <p:style>
+          <a:lnRef idx="1">
+            <a:schemeClr val="accent1"/>
+          </a:lnRef>
+          <a:fillRef idx="0">
+            <a:schemeClr val="accent1"/>
+          </a:fillRef>
+          <a:effectRef idx="0">
+            <a:schemeClr val="accent1"/>
+          </a:effectRef>
+          <a:fontRef idx="minor">
+            <a:schemeClr val="tx1"/>
+          </a:fontRef>
+        </p:style>
+      </p:cxnSp>
+      <p:sp>
+        <p:nvSpPr>
+          <p:cNvPr id="41" name="TextBox 40">
+            <a:extLst>
+              <a:ext uri="{FF2B5EF4-FFF2-40B4-BE49-F238E27FC236}">
+                <a16:creationId xmlns:a16="http://schemas.microsoft.com/office/drawing/2014/main" id="{E6A5DB96-5E56-5E4D-A31A-F05682C96CC0}"/>
+              </a:ext>
+            </a:extLst>
+          </p:cNvPr>
+          <p:cNvSpPr txBox="1"/>
+          <p:nvPr/>
+        </p:nvSpPr>
+        <p:spPr>
+          <a:xfrm>
+            <a:off x="6000572" y="2174886"/>
+            <a:ext cx="4523448" cy="430887"/>
+          </a:xfrm>
+          <a:prstGeom prst="rect">
+            <a:avLst/>
+          </a:prstGeom>
+          <a:noFill/>
+          <a:ln w="12700">
+            <a:solidFill>
+              <a:srgbClr val="FF7876"/>
+            </a:solidFill>
+          </a:ln>
+        </p:spPr>
+        <p:txBody>
+          <a:bodyPr wrap="square" rtlCol="0">
+            <a:spAutoFit/>
+          </a:bodyPr>
+          <a:lstStyle/>
+          <a:p>
+            <a:pPr algn="ctr"/>
+            <a:r>
+              <a:rPr lang="en-US" altLang="ko-KR" sz="1100" dirty="0"/>
+              <a:t>html </a:t>
+            </a:r>
+            <a:r>
+              <a:rPr lang="ko-KR" altLang="en-US" sz="1100" dirty="0"/>
+              <a:t>파일의 </a:t>
+            </a:r>
+            <a:r>
+              <a:rPr lang="ko-KR" altLang="en-US" sz="1100" dirty="0" err="1"/>
+              <a:t>인코딩의</a:t>
+            </a:r>
+            <a:r>
+              <a:rPr lang="ko-KR" altLang="en-US" sz="1100" dirty="0"/>
+              <a:t> 대한 </a:t>
+            </a:r>
+            <a:r>
+              <a:rPr lang="ko-KR" altLang="en-US" sz="1100" dirty="0" err="1"/>
+              <a:t>설명부분과</a:t>
+            </a:r>
+            <a:endParaRPr lang="en-US" altLang="ko-KR" sz="1100" dirty="0"/>
+          </a:p>
+          <a:p>
+            <a:pPr algn="ctr"/>
+            <a:r>
+              <a:rPr lang="ko-KR" altLang="en-US" sz="1100" dirty="0"/>
+              <a:t>페이지 제목을 나타낸 부분입니다</a:t>
+            </a:r>
+            <a:r>
+              <a:rPr lang="en-US" altLang="ko-KR" sz="1100" dirty="0"/>
+              <a:t>.</a:t>
+            </a:r>
+          </a:p>
+        </p:txBody>
+      </p:sp>
+      <p:sp>
+        <p:nvSpPr>
+          <p:cNvPr id="42" name="오른쪽 중괄호[R] 41">
+            <a:extLst>
+              <a:ext uri="{FF2B5EF4-FFF2-40B4-BE49-F238E27FC236}">
+                <a16:creationId xmlns:a16="http://schemas.microsoft.com/office/drawing/2014/main" id="{199CA203-1D5E-A54C-9A03-5F0A7D994743}"/>
+              </a:ext>
+            </a:extLst>
+          </p:cNvPr>
+          <p:cNvSpPr/>
+          <p:nvPr/>
+        </p:nvSpPr>
+        <p:spPr>
+          <a:xfrm>
+            <a:off x="3928927" y="3373569"/>
+            <a:ext cx="241918" cy="409118"/>
+          </a:xfrm>
+          <a:prstGeom prst="rightBrace">
+            <a:avLst/>
+          </a:prstGeom>
+          <a:ln w="12700">
+            <a:solidFill>
+              <a:srgbClr val="FF7876"/>
+            </a:solidFill>
+          </a:ln>
+        </p:spPr>
+        <p:style>
+          <a:lnRef idx="1">
+            <a:schemeClr val="accent1"/>
+          </a:lnRef>
+          <a:fillRef idx="0">
+            <a:schemeClr val="accent1"/>
+          </a:fillRef>
+          <a:effectRef idx="0">
+            <a:schemeClr val="accent1"/>
+          </a:effectRef>
+          <a:fontRef idx="minor">
+            <a:schemeClr val="tx1"/>
+          </a:fontRef>
+        </p:style>
+        <p:txBody>
+          <a:bodyPr rtlCol="0" anchor="ctr"/>
+          <a:lstStyle/>
+          <a:p>
+            <a:pPr algn="ctr"/>
+            <a:endParaRPr kumimoji="1" lang="ko-Kore-KR" altLang="en-US" dirty="0"/>
+          </a:p>
+        </p:txBody>
+      </p:sp>
+      <p:cxnSp>
+        <p:nvCxnSpPr>
+          <p:cNvPr id="43" name="직선 화살표 연결선 42">
+            <a:extLst>
+              <a:ext uri="{FF2B5EF4-FFF2-40B4-BE49-F238E27FC236}">
+                <a16:creationId xmlns:a16="http://schemas.microsoft.com/office/drawing/2014/main" id="{DC7EE96F-0A32-8347-87FC-BD182EF149DD}"/>
+              </a:ext>
+            </a:extLst>
+          </p:cNvPr>
+          <p:cNvCxnSpPr>
+            <a:cxnSpLocks/>
+          </p:cNvCxnSpPr>
+          <p:nvPr/>
+        </p:nvCxnSpPr>
+        <p:spPr>
+          <a:xfrm>
+            <a:off x="4052755" y="3578129"/>
+            <a:ext cx="1088570" cy="982341"/>
+          </a:xfrm>
+          <a:prstGeom prst="straightConnector1">
+            <a:avLst/>
+          </a:prstGeom>
+          <a:ln w="12700">
+            <a:solidFill>
+              <a:srgbClr val="FF7876"/>
+            </a:solidFill>
+            <a:tailEnd type="triangle"/>
+          </a:ln>
+        </p:spPr>
+        <p:style>
+          <a:lnRef idx="1">
+            <a:schemeClr val="accent1"/>
+          </a:lnRef>
+          <a:fillRef idx="0">
+            <a:schemeClr val="accent1"/>
+          </a:fillRef>
+          <a:effectRef idx="0">
+            <a:schemeClr val="accent1"/>
+          </a:effectRef>
+          <a:fontRef idx="minor">
+            <a:schemeClr val="tx1"/>
+          </a:fontRef>
+        </p:style>
+      </p:cxnSp>
+      <p:sp>
+        <p:nvSpPr>
+          <p:cNvPr id="44" name="TextBox 43">
+            <a:extLst>
+              <a:ext uri="{FF2B5EF4-FFF2-40B4-BE49-F238E27FC236}">
+                <a16:creationId xmlns:a16="http://schemas.microsoft.com/office/drawing/2014/main" id="{FFAFEF72-DA94-0C4C-A7C0-3C5BFDFFBAAF}"/>
+              </a:ext>
+            </a:extLst>
+          </p:cNvPr>
+          <p:cNvSpPr txBox="1"/>
+          <p:nvPr/>
+        </p:nvSpPr>
+        <p:spPr>
+          <a:xfrm>
+            <a:off x="5141325" y="4392370"/>
+            <a:ext cx="5513379" cy="1107996"/>
+          </a:xfrm>
+          <a:prstGeom prst="rect">
+            <a:avLst/>
+          </a:prstGeom>
+          <a:noFill/>
+          <a:ln w="12700">
+            <a:solidFill>
+              <a:srgbClr val="FF7876"/>
+            </a:solidFill>
+          </a:ln>
+        </p:spPr>
+        <p:txBody>
+          <a:bodyPr wrap="square" rtlCol="0">
+            <a:spAutoFit/>
+          </a:bodyPr>
+          <a:lstStyle/>
+          <a:p>
+            <a:pPr algn="ctr"/>
+            <a:r>
+              <a:rPr lang="ko-Kore-KR" altLang="en-US" sz="1100" dirty="0"/>
+              <a:t>보내는 데이터에 대한 형식을 지정해주는 </a:t>
+            </a:r>
+            <a:r>
+              <a:rPr lang="en-US" altLang="ko-Kore-KR" sz="1100" dirty="0"/>
+              <a:t>form</a:t>
+            </a:r>
+            <a:r>
+              <a:rPr lang="ko-Kore-KR" altLang="en-US" sz="1100" dirty="0"/>
+              <a:t>태그입니다</a:t>
+            </a:r>
+            <a:endParaRPr lang="en-US" altLang="ko-Kore-KR" sz="1100" dirty="0"/>
+          </a:p>
+          <a:p>
+            <a:pPr algn="ctr"/>
+            <a:r>
+              <a:rPr lang="ko-Kore-KR" altLang="en-US" sz="1100" dirty="0"/>
+              <a:t>보내는 형식은 </a:t>
+            </a:r>
+            <a:r>
+              <a:rPr lang="en-US" altLang="ko-Kore-KR" sz="1100" dirty="0"/>
+              <a:t>POST</a:t>
+            </a:r>
+            <a:r>
+              <a:rPr lang="ko-Kore-KR" altLang="en-US" sz="1100" dirty="0"/>
+              <a:t>형식으로 보내고 </a:t>
+            </a:r>
+            <a:r>
+              <a:rPr lang="en-US" altLang="ko-Kore-KR" sz="1100" dirty="0"/>
+              <a:t>/show</a:t>
+            </a:r>
+            <a:r>
+              <a:rPr lang="ko-Kore-KR" altLang="en-US" sz="1100" dirty="0"/>
+              <a:t>페이지의 요청 대해 전송하게 합니다</a:t>
+            </a:r>
+            <a:r>
+              <a:rPr lang="en-US" altLang="ko-Kore-KR" sz="1100" dirty="0"/>
+              <a:t>.</a:t>
+            </a:r>
+          </a:p>
+          <a:p>
+            <a:pPr algn="ctr"/>
+            <a:r>
+              <a:rPr lang="en-US" altLang="ko-KR" sz="1100" dirty="0"/>
+              <a:t>date</a:t>
+            </a:r>
+            <a:r>
+              <a:rPr lang="ko-KR" altLang="en-US" sz="1100" dirty="0"/>
+              <a:t>타입의 날짜 선택 창을 생성하게 합니다</a:t>
+            </a:r>
+            <a:r>
+              <a:rPr lang="en-US" altLang="ko-KR" sz="1100" dirty="0"/>
+              <a:t>. </a:t>
+            </a:r>
+            <a:r>
+              <a:rPr lang="ko-KR" altLang="en-US" sz="1100" dirty="0"/>
+              <a:t>해당 데이터를 받아오기 위해</a:t>
+            </a:r>
+            <a:endParaRPr lang="en-US" altLang="ko-KR" sz="1100" dirty="0"/>
+          </a:p>
+          <a:p>
+            <a:pPr algn="ctr"/>
+            <a:r>
+              <a:rPr lang="ko-KR" altLang="en-US" sz="1100" dirty="0"/>
+              <a:t>이름을 </a:t>
+            </a:r>
+            <a:r>
+              <a:rPr lang="en-US" altLang="ko-KR" sz="1100" dirty="0" err="1"/>
+              <a:t>ymd</a:t>
+            </a:r>
+            <a:r>
+              <a:rPr lang="ko-KR" altLang="en-US" sz="1100" dirty="0"/>
+              <a:t>로 설정합니다</a:t>
+            </a:r>
+            <a:endParaRPr lang="en-US" altLang="ko-KR" sz="1100" dirty="0"/>
+          </a:p>
+          <a:p>
+            <a:pPr algn="ctr"/>
+            <a:r>
+              <a:rPr lang="ko-KR" altLang="en-US" sz="1100" dirty="0"/>
+              <a:t>다음 확인버튼을 위해 </a:t>
+            </a:r>
+            <a:r>
+              <a:rPr lang="en-US" altLang="ko-KR" sz="1100" dirty="0"/>
+              <a:t>submit</a:t>
+            </a:r>
+            <a:r>
+              <a:rPr lang="ko-KR" altLang="en-US" sz="1100" dirty="0"/>
+              <a:t>타입의 객체를 하나 생성합니다</a:t>
+            </a:r>
+            <a:r>
+              <a:rPr lang="en-US" altLang="ko-KR" sz="1100" dirty="0"/>
+              <a:t>.</a:t>
+            </a:r>
+          </a:p>
+          <a:p>
+            <a:pPr algn="ctr"/>
+            <a:r>
+              <a:rPr lang="en-US" altLang="ko-KR" sz="1100" dirty="0"/>
+              <a:t>value</a:t>
+            </a:r>
+            <a:r>
+              <a:rPr lang="ko-KR" altLang="en-US" sz="1100" dirty="0"/>
+              <a:t>로 버튼에 표시될 </a:t>
+            </a:r>
+            <a:r>
+              <a:rPr lang="ko-KR" altLang="en-US" sz="1100" dirty="0" err="1"/>
+              <a:t>텍스트값을</a:t>
+            </a:r>
+            <a:r>
+              <a:rPr lang="ko-KR" altLang="en-US" sz="1100" dirty="0"/>
+              <a:t> 지정합니다</a:t>
+            </a:r>
+            <a:r>
+              <a:rPr lang="en-US" altLang="ko-KR" sz="1100" dirty="0"/>
+              <a:t>.</a:t>
+            </a:r>
+          </a:p>
+        </p:txBody>
+      </p:sp>
+      <p:cxnSp>
+        <p:nvCxnSpPr>
+          <p:cNvPr id="45" name="직선 화살표 연결선 44">
+            <a:extLst>
+              <a:ext uri="{FF2B5EF4-FFF2-40B4-BE49-F238E27FC236}">
+                <a16:creationId xmlns:a16="http://schemas.microsoft.com/office/drawing/2014/main" id="{2874D4F9-70D2-DD4C-9665-531249CB5646}"/>
+              </a:ext>
+            </a:extLst>
+          </p:cNvPr>
+          <p:cNvCxnSpPr>
+            <a:cxnSpLocks/>
+          </p:cNvCxnSpPr>
+          <p:nvPr/>
+        </p:nvCxnSpPr>
+        <p:spPr>
+          <a:xfrm flipV="1">
+            <a:off x="1391681" y="2792659"/>
+            <a:ext cx="4912616" cy="196199"/>
+          </a:xfrm>
+          <a:prstGeom prst="straightConnector1">
+            <a:avLst/>
+          </a:prstGeom>
+          <a:ln w="12700">
+            <a:solidFill>
+              <a:srgbClr val="FF7876"/>
+            </a:solidFill>
+            <a:tailEnd type="triangle"/>
+          </a:ln>
+        </p:spPr>
+        <p:style>
+          <a:lnRef idx="1">
+            <a:schemeClr val="accent1"/>
+          </a:lnRef>
+          <a:fillRef idx="0">
+            <a:schemeClr val="accent1"/>
+          </a:fillRef>
+          <a:effectRef idx="0">
+            <a:schemeClr val="accent1"/>
+          </a:effectRef>
+          <a:fontRef idx="minor">
+            <a:schemeClr val="tx1"/>
+          </a:fontRef>
+        </p:style>
+      </p:cxnSp>
+      <p:sp>
+        <p:nvSpPr>
+          <p:cNvPr id="46" name="TextBox 45">
+            <a:extLst>
+              <a:ext uri="{FF2B5EF4-FFF2-40B4-BE49-F238E27FC236}">
+                <a16:creationId xmlns:a16="http://schemas.microsoft.com/office/drawing/2014/main" id="{84560A50-AB24-CA4E-986F-6CBB99761CDB}"/>
+              </a:ext>
+            </a:extLst>
+          </p:cNvPr>
+          <p:cNvSpPr txBox="1"/>
+          <p:nvPr/>
+        </p:nvSpPr>
+        <p:spPr>
+          <a:xfrm>
+            <a:off x="6276871" y="2659398"/>
+            <a:ext cx="4523448" cy="600164"/>
+          </a:xfrm>
+          <a:prstGeom prst="rect">
+            <a:avLst/>
+          </a:prstGeom>
+          <a:noFill/>
+          <a:ln w="12700">
+            <a:solidFill>
+              <a:srgbClr val="FF7876"/>
+            </a:solidFill>
+          </a:ln>
+        </p:spPr>
+        <p:txBody>
+          <a:bodyPr wrap="square" rtlCol="0">
+            <a:spAutoFit/>
+          </a:bodyPr>
+          <a:lstStyle/>
+          <a:p>
+            <a:pPr algn="ctr"/>
+            <a:r>
+              <a:rPr lang="en-US" altLang="ko-KR" sz="1100" dirty="0"/>
+              <a:t>center </a:t>
+            </a:r>
+            <a:r>
+              <a:rPr lang="ko-KR" altLang="en-US" sz="1100" dirty="0"/>
+              <a:t>태그를 통해</a:t>
+            </a:r>
+            <a:endParaRPr lang="en-US" altLang="ko-KR" sz="1100" dirty="0"/>
+          </a:p>
+          <a:p>
+            <a:pPr algn="ctr"/>
+            <a:r>
+              <a:rPr lang="ko-KR" altLang="en-US" sz="1100" dirty="0"/>
+              <a:t>이후 작성된 내용들이</a:t>
+            </a:r>
+            <a:endParaRPr lang="en-US" altLang="ko-KR" sz="1100" dirty="0"/>
+          </a:p>
+          <a:p>
+            <a:pPr algn="ctr"/>
+            <a:r>
+              <a:rPr lang="ko-KR" altLang="en-US" sz="1100" dirty="0"/>
+              <a:t>페이지 </a:t>
+            </a:r>
+            <a:r>
+              <a:rPr lang="ko-KR" altLang="en-US" sz="1100" dirty="0" err="1"/>
+              <a:t>중앙정렬을</a:t>
+            </a:r>
+            <a:r>
+              <a:rPr lang="ko-KR" altLang="en-US" sz="1100" dirty="0"/>
+              <a:t> 하도록 구성하였습니다</a:t>
+            </a:r>
+            <a:r>
+              <a:rPr lang="en-US" altLang="ko-KR" sz="1100" dirty="0"/>
+              <a:t>.</a:t>
+            </a:r>
+          </a:p>
+        </p:txBody>
+      </p:sp>
+    </p:spTree>
+    <p:extLst>
+      <p:ext uri="{BB962C8B-B14F-4D97-AF65-F5344CB8AC3E}">
+        <p14:creationId xmlns:p14="http://schemas.microsoft.com/office/powerpoint/2010/main" val="528802886"/>
+      </p:ext>
+    </p:extLst>
+  </p:cSld>
+  <p:clrMapOvr>
+    <a:masterClrMapping/>
+  </p:clrMapOvr>
+</p:sld>
+</file>
+
+<file path=ppt/slides/slide11.xml><?xml version="1.0" encoding="utf-8"?>
+<p:sld xmlns:a="http://schemas.openxmlformats.org/drawingml/2006/main" xmlns:r="http://schemas.openxmlformats.org/officeDocument/2006/relationships" xmlns:p="http://schemas.openxmlformats.org/presentationml/2006/main">
+  <p:cSld>
+    <p:spTree>
+      <p:nvGrpSpPr>
+        <p:cNvPr id="1" name=""/>
+        <p:cNvGrpSpPr/>
+        <p:nvPr/>
+      </p:nvGrpSpPr>
+      <p:grpSpPr>
+        <a:xfrm>
+          <a:off x="0" y="0"/>
+          <a:ext cx="0" cy="0"/>
+          <a:chOff x="0" y="0"/>
+          <a:chExt cx="0" cy="0"/>
+        </a:xfrm>
+      </p:grpSpPr>
+      <p:pic>
+        <p:nvPicPr>
+          <p:cNvPr id="2" name="그림 1">
+            <a:extLst>
+              <a:ext uri="{FF2B5EF4-FFF2-40B4-BE49-F238E27FC236}">
+                <a16:creationId xmlns:a16="http://schemas.microsoft.com/office/drawing/2014/main" id="{CBE6EC79-3144-6B42-90EA-318DA0743AEA}"/>
+              </a:ext>
+            </a:extLst>
+          </p:cNvPr>
+          <p:cNvPicPr>
+            <a:picLocks noChangeAspect="1"/>
+          </p:cNvPicPr>
+          <p:nvPr/>
+        </p:nvPicPr>
+        <p:blipFill>
+          <a:blip r:embed="rId2"/>
+          <a:stretch>
+            <a:fillRect/>
+          </a:stretch>
+        </p:blipFill>
+        <p:spPr>
+          <a:xfrm>
+            <a:off x="2176096" y="1119873"/>
+            <a:ext cx="7839807" cy="4502487"/>
+          </a:xfrm>
+          <a:prstGeom prst="rect">
+            <a:avLst/>
+          </a:prstGeom>
+        </p:spPr>
+      </p:pic>
+      <p:sp>
+        <p:nvSpPr>
+          <p:cNvPr id="37" name="직사각형 36">
+            <a:extLst>
+              <a:ext uri="{FF2B5EF4-FFF2-40B4-BE49-F238E27FC236}">
+                <a16:creationId xmlns:a16="http://schemas.microsoft.com/office/drawing/2014/main" id="{3F15C60C-17FE-422D-AFCF-73C75A021362}"/>
+              </a:ext>
+            </a:extLst>
+          </p:cNvPr>
+          <p:cNvSpPr/>
+          <p:nvPr/>
+        </p:nvSpPr>
+        <p:spPr>
+          <a:xfrm>
+            <a:off x="3697172" y="332194"/>
+            <a:ext cx="4713765" cy="735842"/>
+          </a:xfrm>
+          <a:prstGeom prst="rect">
+            <a:avLst/>
+          </a:prstGeom>
+        </p:spPr>
+        <p:txBody>
+          <a:bodyPr wrap="square">
+            <a:spAutoFit/>
+          </a:bodyPr>
+          <a:lstStyle/>
+          <a:p>
+            <a:pPr algn="ctr" latinLnBrk="0">
+              <a:lnSpc>
+                <a:spcPct val="150000"/>
+              </a:lnSpc>
+              <a:defRPr/>
+            </a:pPr>
+            <a:r>
+              <a:rPr lang="en-US" altLang="ko-KR" sz="3200" b="1" i="1" kern="0" dirty="0">
+                <a:solidFill>
+                  <a:srgbClr val="FF7876"/>
+                </a:solidFill>
+              </a:rPr>
+              <a:t>3</a:t>
+            </a:r>
+          </a:p>
+        </p:txBody>
+      </p:sp>
+      <p:cxnSp>
+        <p:nvCxnSpPr>
+          <p:cNvPr id="38" name="직선 연결선 37">
+            <a:extLst>
+              <a:ext uri="{FF2B5EF4-FFF2-40B4-BE49-F238E27FC236}">
+                <a16:creationId xmlns:a16="http://schemas.microsoft.com/office/drawing/2014/main" id="{940134F4-F272-426A-B50B-8075427DF501}"/>
+              </a:ext>
+            </a:extLst>
+          </p:cNvPr>
+          <p:cNvCxnSpPr>
+            <a:cxnSpLocks/>
+          </p:cNvCxnSpPr>
+          <p:nvPr/>
+        </p:nvCxnSpPr>
+        <p:spPr>
+          <a:xfrm flipV="1">
+            <a:off x="843148" y="847712"/>
+            <a:ext cx="4769087" cy="1"/>
+          </a:xfrm>
+          <a:prstGeom prst="line">
+            <a:avLst/>
+          </a:prstGeom>
+          <a:ln w="6350">
+            <a:solidFill>
+              <a:srgbClr val="FF7876"/>
+            </a:solidFill>
+            <a:prstDash val="sysDash"/>
+            <a:tailEnd type="oval"/>
+          </a:ln>
+        </p:spPr>
+        <p:style>
+          <a:lnRef idx="1">
+            <a:schemeClr val="accent1"/>
+          </a:lnRef>
+          <a:fillRef idx="0">
+            <a:schemeClr val="accent1"/>
+          </a:fillRef>
+          <a:effectRef idx="0">
+            <a:schemeClr val="accent1"/>
+          </a:effectRef>
+          <a:fontRef idx="minor">
+            <a:schemeClr val="tx1"/>
+          </a:fontRef>
+        </p:style>
+      </p:cxnSp>
+      <p:cxnSp>
+        <p:nvCxnSpPr>
+          <p:cNvPr id="39" name="직선 연결선 38">
+            <a:extLst>
+              <a:ext uri="{FF2B5EF4-FFF2-40B4-BE49-F238E27FC236}">
+                <a16:creationId xmlns:a16="http://schemas.microsoft.com/office/drawing/2014/main" id="{55EBD739-0979-4546-8E6B-9CA8052FC540}"/>
+              </a:ext>
+            </a:extLst>
+          </p:cNvPr>
+          <p:cNvCxnSpPr>
+            <a:cxnSpLocks/>
+          </p:cNvCxnSpPr>
+          <p:nvPr/>
+        </p:nvCxnSpPr>
+        <p:spPr>
+          <a:xfrm flipH="1">
+            <a:off x="6579767" y="847712"/>
+            <a:ext cx="4692810" cy="0"/>
+          </a:xfrm>
+          <a:prstGeom prst="line">
+            <a:avLst/>
+          </a:prstGeom>
+          <a:ln w="6350">
+            <a:solidFill>
+              <a:srgbClr val="FF7876"/>
+            </a:solidFill>
+            <a:prstDash val="sysDash"/>
+            <a:tailEnd type="oval"/>
+          </a:ln>
+        </p:spPr>
+        <p:style>
+          <a:lnRef idx="1">
+            <a:schemeClr val="accent1"/>
+          </a:lnRef>
+          <a:fillRef idx="0">
+            <a:schemeClr val="accent1"/>
+          </a:fillRef>
+          <a:effectRef idx="0">
+            <a:schemeClr val="accent1"/>
+          </a:effectRef>
+          <a:fontRef idx="minor">
+            <a:schemeClr val="tx1"/>
+          </a:fontRef>
+        </p:style>
+      </p:cxnSp>
+      <p:sp>
+        <p:nvSpPr>
+          <p:cNvPr id="8" name="TextBox 7">
+            <a:extLst>
+              <a:ext uri="{FF2B5EF4-FFF2-40B4-BE49-F238E27FC236}">
+                <a16:creationId xmlns:a16="http://schemas.microsoft.com/office/drawing/2014/main" id="{C18154B9-4F65-4277-8C17-63D9702FC25F}"/>
+              </a:ext>
+            </a:extLst>
+          </p:cNvPr>
+          <p:cNvSpPr txBox="1"/>
+          <p:nvPr/>
+        </p:nvSpPr>
+        <p:spPr>
+          <a:xfrm>
+            <a:off x="765146" y="963122"/>
+            <a:ext cx="10507430" cy="261610"/>
+          </a:xfrm>
+          <a:prstGeom prst="rect">
+            <a:avLst/>
+          </a:prstGeom>
+          <a:noFill/>
+        </p:spPr>
+        <p:txBody>
+          <a:bodyPr wrap="square" rtlCol="0">
+            <a:spAutoFit/>
+          </a:bodyPr>
+          <a:lstStyle/>
+          <a:p>
+            <a:pPr algn="ctr"/>
+            <a:r>
+              <a:rPr lang="ko-Kore-KR" altLang="en-US" sz="1100" i="1" dirty="0">
+                <a:solidFill>
+                  <a:srgbClr val="FF7876"/>
+                </a:solidFill>
+              </a:rPr>
+              <a:t>임의 프로그램 </a:t>
+            </a:r>
+            <a:r>
+              <a:rPr lang="en-US" altLang="ko-Kore-KR" sz="1100" i="1" dirty="0">
+                <a:solidFill>
+                  <a:srgbClr val="FF7876"/>
+                </a:solidFill>
+              </a:rPr>
+              <a:t>– </a:t>
+            </a:r>
+            <a:r>
+              <a:rPr lang="ko-Kore-KR" altLang="en-US" sz="1100" i="1" dirty="0">
+                <a:solidFill>
+                  <a:srgbClr val="FF7876"/>
+                </a:solidFill>
+              </a:rPr>
+              <a:t>오늘의 운세 정보</a:t>
+            </a:r>
+            <a:endParaRPr lang="en-US" altLang="ko-KR" sz="1100" i="1" dirty="0">
+              <a:solidFill>
+                <a:srgbClr val="FF7876"/>
+              </a:solidFill>
+            </a:endParaRPr>
+          </a:p>
+        </p:txBody>
+      </p:sp>
+      <p:sp>
+        <p:nvSpPr>
+          <p:cNvPr id="44" name="TextBox 43">
+            <a:extLst>
+              <a:ext uri="{FF2B5EF4-FFF2-40B4-BE49-F238E27FC236}">
+                <a16:creationId xmlns:a16="http://schemas.microsoft.com/office/drawing/2014/main" id="{FFAFEF72-DA94-0C4C-A7C0-3C5BFDFFBAAF}"/>
+              </a:ext>
+            </a:extLst>
+          </p:cNvPr>
+          <p:cNvSpPr txBox="1"/>
+          <p:nvPr/>
+        </p:nvSpPr>
+        <p:spPr>
+          <a:xfrm>
+            <a:off x="3339309" y="5622360"/>
+            <a:ext cx="5513379" cy="600164"/>
+          </a:xfrm>
+          <a:prstGeom prst="rect">
+            <a:avLst/>
+          </a:prstGeom>
+          <a:noFill/>
+          <a:ln w="12700">
+            <a:solidFill>
+              <a:srgbClr val="FF7876"/>
+            </a:solidFill>
+          </a:ln>
+        </p:spPr>
+        <p:txBody>
+          <a:bodyPr wrap="square" rtlCol="0">
+            <a:spAutoFit/>
+          </a:bodyPr>
+          <a:lstStyle/>
+          <a:p>
+            <a:pPr algn="ctr"/>
+            <a:r>
+              <a:rPr lang="ko-Kore-KR" altLang="en-US" sz="1100" dirty="0"/>
+              <a:t>렌더링 된 </a:t>
+            </a:r>
+            <a:r>
+              <a:rPr lang="en-US" altLang="ko-Kore-KR" sz="1100" dirty="0"/>
+              <a:t>main </a:t>
+            </a:r>
+            <a:r>
+              <a:rPr lang="ko-Kore-KR" altLang="en-US" sz="1100" dirty="0"/>
+              <a:t>페이지 입니다</a:t>
+            </a:r>
+            <a:r>
+              <a:rPr lang="en-US" altLang="ko-Kore-KR" sz="1100" dirty="0"/>
+              <a:t>.</a:t>
+            </a:r>
+          </a:p>
+          <a:p>
+            <a:pPr algn="ctr"/>
+            <a:r>
+              <a:rPr lang="ko-Kore-KR" altLang="en-US" sz="1100" dirty="0"/>
+              <a:t>상단 정보를 나타낸 부분과</a:t>
+            </a:r>
+            <a:endParaRPr lang="en-US" altLang="ko-Kore-KR" sz="1100" dirty="0"/>
+          </a:p>
+          <a:p>
+            <a:pPr algn="ctr"/>
+            <a:r>
+              <a:rPr lang="ko-Kore-KR" altLang="en-US" sz="1100" dirty="0"/>
+              <a:t>날짜</a:t>
+            </a:r>
+            <a:r>
+              <a:rPr lang="en-US" altLang="ko-Kore-KR" sz="1100" dirty="0"/>
+              <a:t> </a:t>
+            </a:r>
+            <a:r>
+              <a:rPr lang="ko-Kore-KR" altLang="en-US" sz="1100" dirty="0"/>
+              <a:t>선택</a:t>
+            </a:r>
+            <a:r>
+              <a:rPr lang="en-US" altLang="ko-Kore-KR" sz="1100" dirty="0"/>
+              <a:t>, </a:t>
+            </a:r>
+            <a:r>
+              <a:rPr lang="ko-Kore-KR" altLang="en-US" sz="1100" dirty="0"/>
+              <a:t>확인버튼이 정상적으로 구현된 것을 볼 수 있습니다</a:t>
+            </a:r>
+            <a:r>
+              <a:rPr lang="en-US" altLang="ko-Kore-KR" sz="1100" dirty="0"/>
+              <a:t>.</a:t>
+            </a:r>
+          </a:p>
+        </p:txBody>
+      </p:sp>
+      <p:pic>
+        <p:nvPicPr>
+          <p:cNvPr id="3" name="그림 2">
+            <a:extLst>
+              <a:ext uri="{FF2B5EF4-FFF2-40B4-BE49-F238E27FC236}">
+                <a16:creationId xmlns:a16="http://schemas.microsoft.com/office/drawing/2014/main" id="{176F5FA7-3133-B447-8C44-D3860E3FB65A}"/>
+              </a:ext>
+            </a:extLst>
+          </p:cNvPr>
+          <p:cNvPicPr>
+            <a:picLocks noChangeAspect="1"/>
+          </p:cNvPicPr>
+          <p:nvPr/>
+        </p:nvPicPr>
+        <p:blipFill>
+          <a:blip r:embed="rId3"/>
+          <a:stretch>
+            <a:fillRect/>
+          </a:stretch>
+        </p:blipFill>
+        <p:spPr>
+          <a:xfrm>
+            <a:off x="7123563" y="2233401"/>
+            <a:ext cx="1425560" cy="1418804"/>
+          </a:xfrm>
+          <a:prstGeom prst="rect">
+            <a:avLst/>
+          </a:prstGeom>
+          <a:ln w="12700">
+            <a:solidFill>
+              <a:srgbClr val="FF7876"/>
+            </a:solidFill>
+          </a:ln>
+        </p:spPr>
+      </p:pic>
+      <p:cxnSp>
+        <p:nvCxnSpPr>
+          <p:cNvPr id="20" name="직선 화살표 연결선 19">
+            <a:extLst>
+              <a:ext uri="{FF2B5EF4-FFF2-40B4-BE49-F238E27FC236}">
+                <a16:creationId xmlns:a16="http://schemas.microsoft.com/office/drawing/2014/main" id="{F5CD57D5-66E7-AE44-AAAD-4A42EDF27481}"/>
+              </a:ext>
+            </a:extLst>
+          </p:cNvPr>
+          <p:cNvCxnSpPr>
+            <a:cxnSpLocks/>
+          </p:cNvCxnSpPr>
+          <p:nvPr/>
+        </p:nvCxnSpPr>
+        <p:spPr>
+          <a:xfrm>
+            <a:off x="6408048" y="2155026"/>
+            <a:ext cx="715515" cy="402057"/>
+          </a:xfrm>
+          <a:prstGeom prst="straightConnector1">
+            <a:avLst/>
+          </a:prstGeom>
+          <a:ln w="12700">
+            <a:solidFill>
+              <a:srgbClr val="FF7876"/>
+            </a:solidFill>
+            <a:tailEnd type="triangle"/>
+          </a:ln>
+        </p:spPr>
+        <p:style>
+          <a:lnRef idx="1">
+            <a:schemeClr val="accent1"/>
+          </a:lnRef>
+          <a:fillRef idx="0">
+            <a:schemeClr val="accent1"/>
+          </a:fillRef>
+          <a:effectRef idx="0">
+            <a:schemeClr val="accent1"/>
+          </a:effectRef>
+          <a:fontRef idx="minor">
+            <a:schemeClr val="tx1"/>
+          </a:fontRef>
+        </p:style>
+      </p:cxnSp>
+    </p:spTree>
+    <p:extLst>
+      <p:ext uri="{BB962C8B-B14F-4D97-AF65-F5344CB8AC3E}">
+        <p14:creationId xmlns:p14="http://schemas.microsoft.com/office/powerpoint/2010/main" val="1088479659"/>
+      </p:ext>
+    </p:extLst>
+  </p:cSld>
+  <p:clrMapOvr>
+    <a:masterClrMapping/>
+  </p:clrMapOvr>
+</p:sld>
+</file>
+
+<file path=ppt/slides/slide12.xml><?xml version="1.0" encoding="utf-8"?>
+<p:sld xmlns:a="http://schemas.openxmlformats.org/drawingml/2006/main" xmlns:r="http://schemas.openxmlformats.org/officeDocument/2006/relationships" xmlns:p="http://schemas.openxmlformats.org/presentationml/2006/main">
+  <p:cSld>
+    <p:spTree>
+      <p:nvGrpSpPr>
+        <p:cNvPr id="1" name=""/>
+        <p:cNvGrpSpPr/>
+        <p:nvPr/>
+      </p:nvGrpSpPr>
+      <p:grpSpPr>
+        <a:xfrm>
+          <a:off x="0" y="0"/>
+          <a:ext cx="0" cy="0"/>
+          <a:chOff x="0" y="0"/>
+          <a:chExt cx="0" cy="0"/>
+        </a:xfrm>
+      </p:grpSpPr>
+      <p:pic>
+        <p:nvPicPr>
+          <p:cNvPr id="15" name="그림 14">
+            <a:extLst>
+              <a:ext uri="{FF2B5EF4-FFF2-40B4-BE49-F238E27FC236}">
+                <a16:creationId xmlns:a16="http://schemas.microsoft.com/office/drawing/2014/main" id="{0517741F-80D7-4D47-AB09-42B260918156}"/>
+              </a:ext>
+            </a:extLst>
+          </p:cNvPr>
+          <p:cNvPicPr>
+            <a:picLocks noChangeAspect="1"/>
+          </p:cNvPicPr>
+          <p:nvPr/>
+        </p:nvPicPr>
+        <p:blipFill>
+          <a:blip r:embed="rId2"/>
+          <a:stretch>
+            <a:fillRect/>
+          </a:stretch>
+        </p:blipFill>
+        <p:spPr>
+          <a:xfrm>
+            <a:off x="233887" y="1473395"/>
+            <a:ext cx="5987607" cy="3652861"/>
+          </a:xfrm>
+          <a:prstGeom prst="rect">
+            <a:avLst/>
+          </a:prstGeom>
+        </p:spPr>
+      </p:pic>
+      <p:sp>
+        <p:nvSpPr>
+          <p:cNvPr id="37" name="직사각형 36">
+            <a:extLst>
+              <a:ext uri="{FF2B5EF4-FFF2-40B4-BE49-F238E27FC236}">
+                <a16:creationId xmlns:a16="http://schemas.microsoft.com/office/drawing/2014/main" id="{3F15C60C-17FE-422D-AFCF-73C75A021362}"/>
+              </a:ext>
+            </a:extLst>
+          </p:cNvPr>
+          <p:cNvSpPr/>
+          <p:nvPr/>
+        </p:nvSpPr>
+        <p:spPr>
+          <a:xfrm>
+            <a:off x="3697172" y="332194"/>
+            <a:ext cx="4713765" cy="735842"/>
+          </a:xfrm>
+          <a:prstGeom prst="rect">
+            <a:avLst/>
+          </a:prstGeom>
+        </p:spPr>
+        <p:txBody>
+          <a:bodyPr wrap="square">
+            <a:spAutoFit/>
+          </a:bodyPr>
+          <a:lstStyle/>
+          <a:p>
+            <a:pPr algn="ctr" latinLnBrk="0">
+              <a:lnSpc>
+                <a:spcPct val="150000"/>
+              </a:lnSpc>
+              <a:defRPr/>
+            </a:pPr>
+            <a:r>
+              <a:rPr lang="en-US" altLang="ko-KR" sz="3200" b="1" i="1" kern="0" dirty="0">
+                <a:solidFill>
+                  <a:srgbClr val="FF7876"/>
+                </a:solidFill>
+              </a:rPr>
+              <a:t>3</a:t>
+            </a:r>
+          </a:p>
+        </p:txBody>
+      </p:sp>
+      <p:cxnSp>
+        <p:nvCxnSpPr>
+          <p:cNvPr id="38" name="직선 연결선 37">
+            <a:extLst>
+              <a:ext uri="{FF2B5EF4-FFF2-40B4-BE49-F238E27FC236}">
+                <a16:creationId xmlns:a16="http://schemas.microsoft.com/office/drawing/2014/main" id="{940134F4-F272-426A-B50B-8075427DF501}"/>
+              </a:ext>
+            </a:extLst>
+          </p:cNvPr>
+          <p:cNvCxnSpPr>
+            <a:cxnSpLocks/>
+          </p:cNvCxnSpPr>
+          <p:nvPr/>
+        </p:nvCxnSpPr>
+        <p:spPr>
+          <a:xfrm flipV="1">
+            <a:off x="843148" y="847712"/>
+            <a:ext cx="4769087" cy="1"/>
+          </a:xfrm>
+          <a:prstGeom prst="line">
+            <a:avLst/>
+          </a:prstGeom>
+          <a:ln w="6350">
+            <a:solidFill>
+              <a:srgbClr val="FF7876"/>
+            </a:solidFill>
+            <a:prstDash val="sysDash"/>
+            <a:tailEnd type="oval"/>
+          </a:ln>
+        </p:spPr>
+        <p:style>
+          <a:lnRef idx="1">
+            <a:schemeClr val="accent1"/>
+          </a:lnRef>
+          <a:fillRef idx="0">
+            <a:schemeClr val="accent1"/>
+          </a:fillRef>
+          <a:effectRef idx="0">
+            <a:schemeClr val="accent1"/>
+          </a:effectRef>
+          <a:fontRef idx="minor">
+            <a:schemeClr val="tx1"/>
+          </a:fontRef>
+        </p:style>
+      </p:cxnSp>
+      <p:cxnSp>
+        <p:nvCxnSpPr>
+          <p:cNvPr id="39" name="직선 연결선 38">
+            <a:extLst>
+              <a:ext uri="{FF2B5EF4-FFF2-40B4-BE49-F238E27FC236}">
+                <a16:creationId xmlns:a16="http://schemas.microsoft.com/office/drawing/2014/main" id="{55EBD739-0979-4546-8E6B-9CA8052FC540}"/>
+              </a:ext>
+            </a:extLst>
+          </p:cNvPr>
+          <p:cNvCxnSpPr>
+            <a:cxnSpLocks/>
+          </p:cNvCxnSpPr>
+          <p:nvPr/>
+        </p:nvCxnSpPr>
+        <p:spPr>
+          <a:xfrm flipH="1">
+            <a:off x="6579767" y="847712"/>
+            <a:ext cx="4692810" cy="0"/>
+          </a:xfrm>
+          <a:prstGeom prst="line">
+            <a:avLst/>
+          </a:prstGeom>
+          <a:ln w="6350">
+            <a:solidFill>
+              <a:srgbClr val="FF7876"/>
+            </a:solidFill>
+            <a:prstDash val="sysDash"/>
+            <a:tailEnd type="oval"/>
+          </a:ln>
+        </p:spPr>
+        <p:style>
+          <a:lnRef idx="1">
+            <a:schemeClr val="accent1"/>
+          </a:lnRef>
+          <a:fillRef idx="0">
+            <a:schemeClr val="accent1"/>
+          </a:fillRef>
+          <a:effectRef idx="0">
+            <a:schemeClr val="accent1"/>
+          </a:effectRef>
+          <a:fontRef idx="minor">
+            <a:schemeClr val="tx1"/>
+          </a:fontRef>
+        </p:style>
+      </p:cxnSp>
+      <p:sp>
+        <p:nvSpPr>
+          <p:cNvPr id="8" name="TextBox 7">
+            <a:extLst>
+              <a:ext uri="{FF2B5EF4-FFF2-40B4-BE49-F238E27FC236}">
+                <a16:creationId xmlns:a16="http://schemas.microsoft.com/office/drawing/2014/main" id="{C18154B9-4F65-4277-8C17-63D9702FC25F}"/>
+              </a:ext>
+            </a:extLst>
+          </p:cNvPr>
+          <p:cNvSpPr txBox="1"/>
+          <p:nvPr/>
+        </p:nvSpPr>
+        <p:spPr>
+          <a:xfrm>
+            <a:off x="765146" y="963122"/>
+            <a:ext cx="10507430" cy="261610"/>
+          </a:xfrm>
+          <a:prstGeom prst="rect">
+            <a:avLst/>
+          </a:prstGeom>
+          <a:noFill/>
+        </p:spPr>
+        <p:txBody>
+          <a:bodyPr wrap="square" rtlCol="0">
+            <a:spAutoFit/>
+          </a:bodyPr>
+          <a:lstStyle/>
+          <a:p>
+            <a:pPr algn="ctr"/>
+            <a:r>
+              <a:rPr lang="ko-Kore-KR" altLang="en-US" sz="1100" i="1" dirty="0">
+                <a:solidFill>
+                  <a:srgbClr val="FF7876"/>
+                </a:solidFill>
+              </a:rPr>
+              <a:t>임의 프로그램 </a:t>
+            </a:r>
+            <a:r>
+              <a:rPr lang="en-US" altLang="ko-Kore-KR" sz="1100" i="1" dirty="0">
+                <a:solidFill>
+                  <a:srgbClr val="FF7876"/>
+                </a:solidFill>
+              </a:rPr>
+              <a:t>– </a:t>
+            </a:r>
+            <a:r>
+              <a:rPr lang="ko-Kore-KR" altLang="en-US" sz="1100" i="1" dirty="0">
+                <a:solidFill>
+                  <a:srgbClr val="FF7876"/>
+                </a:solidFill>
+              </a:rPr>
+              <a:t>오늘의 운세 정보</a:t>
+            </a:r>
+            <a:endParaRPr lang="en-US" altLang="ko-KR" sz="1100" i="1" dirty="0">
+              <a:solidFill>
+                <a:srgbClr val="FF7876"/>
+              </a:solidFill>
+            </a:endParaRPr>
+          </a:p>
+        </p:txBody>
+      </p:sp>
+      <p:sp>
+        <p:nvSpPr>
+          <p:cNvPr id="31" name="오른쪽 중괄호[R] 30">
+            <a:extLst>
+              <a:ext uri="{FF2B5EF4-FFF2-40B4-BE49-F238E27FC236}">
+                <a16:creationId xmlns:a16="http://schemas.microsoft.com/office/drawing/2014/main" id="{2415603D-FFD5-0547-B3D1-B4497841B56A}"/>
+              </a:ext>
+            </a:extLst>
+          </p:cNvPr>
+          <p:cNvSpPr/>
+          <p:nvPr/>
+        </p:nvSpPr>
+        <p:spPr>
+          <a:xfrm>
+            <a:off x="4080225" y="2363071"/>
+            <a:ext cx="241918" cy="409118"/>
+          </a:xfrm>
+          <a:prstGeom prst="rightBrace">
+            <a:avLst/>
+          </a:prstGeom>
+          <a:ln w="12700">
+            <a:solidFill>
+              <a:srgbClr val="FF7876"/>
+            </a:solidFill>
+          </a:ln>
+        </p:spPr>
+        <p:style>
+          <a:lnRef idx="1">
+            <a:schemeClr val="accent1"/>
+          </a:lnRef>
+          <a:fillRef idx="0">
+            <a:schemeClr val="accent1"/>
+          </a:fillRef>
+          <a:effectRef idx="0">
+            <a:schemeClr val="accent1"/>
+          </a:effectRef>
+          <a:fontRef idx="minor">
+            <a:schemeClr val="tx1"/>
+          </a:fontRef>
+        </p:style>
+        <p:txBody>
+          <a:bodyPr rtlCol="0" anchor="ctr"/>
+          <a:lstStyle/>
+          <a:p>
+            <a:pPr algn="ctr"/>
+            <a:endParaRPr kumimoji="1" lang="ko-Kore-KR" altLang="en-US" dirty="0"/>
+          </a:p>
+        </p:txBody>
+      </p:sp>
+      <p:cxnSp>
+        <p:nvCxnSpPr>
+          <p:cNvPr id="35" name="직선 화살표 연결선 34">
+            <a:extLst>
+              <a:ext uri="{FF2B5EF4-FFF2-40B4-BE49-F238E27FC236}">
+                <a16:creationId xmlns:a16="http://schemas.microsoft.com/office/drawing/2014/main" id="{C0206071-8821-0047-BDA8-92370769D405}"/>
+              </a:ext>
+            </a:extLst>
+          </p:cNvPr>
+          <p:cNvCxnSpPr>
+            <a:cxnSpLocks/>
+            <a:stCxn id="24" idx="1"/>
+            <a:endCxn id="40" idx="1"/>
+          </p:cNvCxnSpPr>
+          <p:nvPr/>
+        </p:nvCxnSpPr>
+        <p:spPr>
+          <a:xfrm>
+            <a:off x="6290604" y="3592555"/>
+            <a:ext cx="301412" cy="176631"/>
+          </a:xfrm>
+          <a:prstGeom prst="straightConnector1">
+            <a:avLst/>
+          </a:prstGeom>
+          <a:ln w="12700">
+            <a:solidFill>
+              <a:srgbClr val="FF7876"/>
+            </a:solidFill>
+            <a:tailEnd type="triangle"/>
+          </a:ln>
+        </p:spPr>
+        <p:style>
+          <a:lnRef idx="1">
+            <a:schemeClr val="accent1"/>
+          </a:lnRef>
+          <a:fillRef idx="0">
+            <a:schemeClr val="accent1"/>
+          </a:fillRef>
+          <a:effectRef idx="0">
+            <a:schemeClr val="accent1"/>
+          </a:effectRef>
+          <a:fontRef idx="minor">
+            <a:schemeClr val="tx1"/>
+          </a:fontRef>
+        </p:style>
+      </p:cxnSp>
+      <p:sp>
+        <p:nvSpPr>
+          <p:cNvPr id="40" name="TextBox 39">
+            <a:extLst>
+              <a:ext uri="{FF2B5EF4-FFF2-40B4-BE49-F238E27FC236}">
+                <a16:creationId xmlns:a16="http://schemas.microsoft.com/office/drawing/2014/main" id="{06903668-0D13-DE46-AAF3-93369858E114}"/>
+              </a:ext>
+            </a:extLst>
+          </p:cNvPr>
+          <p:cNvSpPr txBox="1"/>
+          <p:nvPr/>
+        </p:nvSpPr>
+        <p:spPr>
+          <a:xfrm>
+            <a:off x="6592016" y="3299826"/>
+            <a:ext cx="4523448" cy="938719"/>
+          </a:xfrm>
+          <a:prstGeom prst="rect">
+            <a:avLst/>
+          </a:prstGeom>
+          <a:noFill/>
+          <a:ln w="12700">
+            <a:solidFill>
+              <a:srgbClr val="FF7876"/>
+            </a:solidFill>
+          </a:ln>
+        </p:spPr>
+        <p:txBody>
+          <a:bodyPr wrap="square" rtlCol="0">
+            <a:spAutoFit/>
+          </a:bodyPr>
+          <a:lstStyle/>
+          <a:p>
+            <a:pPr algn="ctr"/>
+            <a:r>
+              <a:rPr lang="ko-Kore-KR" altLang="en-US" sz="1100" dirty="0"/>
+              <a:t>다음 해당 정보의 출처사이트를 표현해주기위해</a:t>
+            </a:r>
+            <a:endParaRPr lang="en-US" altLang="ko-Kore-KR" sz="1100" dirty="0"/>
+          </a:p>
+          <a:p>
+            <a:pPr algn="ctr"/>
+            <a:r>
+              <a:rPr lang="en-US" altLang="ko-KR" sz="1100" dirty="0" err="1"/>
+              <a:t>href</a:t>
+            </a:r>
+            <a:r>
+              <a:rPr lang="ko-KR" altLang="en-US" sz="1100" dirty="0"/>
+              <a:t>로 하이퍼링크를 지정해주었습니다</a:t>
+            </a:r>
+            <a:r>
+              <a:rPr lang="en-US" altLang="ko-KR" sz="1100" dirty="0"/>
+              <a:t>.</a:t>
+            </a:r>
+          </a:p>
+          <a:p>
+            <a:pPr algn="ctr"/>
+            <a:r>
+              <a:rPr lang="ko-KR" altLang="en-US" sz="1100" dirty="0"/>
+              <a:t>이전 헤드부분에서 지정한 </a:t>
+            </a:r>
+            <a:r>
+              <a:rPr lang="en-US" altLang="ko-KR" sz="1100" dirty="0"/>
+              <a:t>a</a:t>
+            </a:r>
+            <a:r>
+              <a:rPr lang="ko-KR" altLang="en-US" sz="1100" dirty="0"/>
+              <a:t>태그에 대한 스타일 선언에 맞게</a:t>
+            </a:r>
+            <a:endParaRPr lang="en-US" altLang="ko-KR" sz="1100" dirty="0"/>
+          </a:p>
+          <a:p>
+            <a:pPr algn="ctr"/>
+            <a:r>
+              <a:rPr lang="ko-KR" altLang="en-US" sz="1100" dirty="0"/>
+              <a:t>출력되도록 합니다</a:t>
+            </a:r>
+            <a:r>
+              <a:rPr lang="en-US" altLang="ko-KR" sz="1100" dirty="0"/>
+              <a:t>.</a:t>
+            </a:r>
+          </a:p>
+          <a:p>
+            <a:pPr algn="ctr"/>
+            <a:r>
+              <a:rPr lang="en-US" altLang="ko-KR" sz="1100" dirty="0"/>
+              <a:t>&amp;</a:t>
+            </a:r>
+            <a:r>
+              <a:rPr lang="en-US" altLang="ko-KR" sz="1100" dirty="0" err="1"/>
+              <a:t>emsp</a:t>
+            </a:r>
+            <a:r>
+              <a:rPr lang="ko-KR" altLang="en-US" sz="1100" dirty="0"/>
+              <a:t>로 </a:t>
+            </a:r>
+            <a:r>
+              <a:rPr lang="ko-KR" altLang="en-US" sz="1100" dirty="0" err="1"/>
+              <a:t>탭크기만큼</a:t>
+            </a:r>
+            <a:r>
+              <a:rPr lang="ko-KR" altLang="en-US" sz="1100" dirty="0"/>
+              <a:t> 띄운 다음 다음 문자를 출력하게 하였습니다</a:t>
+            </a:r>
+            <a:r>
+              <a:rPr lang="en-US" altLang="ko-KR" sz="1100" dirty="0"/>
+              <a:t>.</a:t>
+            </a:r>
+          </a:p>
+        </p:txBody>
+      </p:sp>
+      <p:sp>
+        <p:nvSpPr>
+          <p:cNvPr id="41" name="TextBox 40">
+            <a:extLst>
+              <a:ext uri="{FF2B5EF4-FFF2-40B4-BE49-F238E27FC236}">
+                <a16:creationId xmlns:a16="http://schemas.microsoft.com/office/drawing/2014/main" id="{E6A5DB96-5E56-5E4D-A31A-F05682C96CC0}"/>
+              </a:ext>
+            </a:extLst>
+          </p:cNvPr>
+          <p:cNvSpPr txBox="1"/>
+          <p:nvPr/>
+        </p:nvSpPr>
+        <p:spPr>
+          <a:xfrm>
+            <a:off x="6427280" y="1622287"/>
+            <a:ext cx="4523448" cy="769441"/>
+          </a:xfrm>
+          <a:prstGeom prst="rect">
+            <a:avLst/>
+          </a:prstGeom>
+          <a:noFill/>
+          <a:ln w="12700">
+            <a:solidFill>
+              <a:srgbClr val="FF7876"/>
+            </a:solidFill>
+          </a:ln>
+        </p:spPr>
+        <p:txBody>
+          <a:bodyPr wrap="square" rtlCol="0">
+            <a:spAutoFit/>
+          </a:bodyPr>
+          <a:lstStyle/>
+          <a:p>
+            <a:pPr algn="ctr"/>
+            <a:r>
+              <a:rPr lang="ko-Kore-KR" altLang="en-US" sz="1100" dirty="0"/>
+              <a:t>문서의 문자인코딩 형식과</a:t>
+            </a:r>
+            <a:r>
+              <a:rPr lang="en-US" altLang="ko-Kore-KR" sz="1100" dirty="0"/>
+              <a:t> </a:t>
+            </a:r>
+            <a:r>
+              <a:rPr lang="ko-Kore-KR" altLang="en-US" sz="1100" dirty="0"/>
+              <a:t>제목이 선언되있는것을 볼 수 있습니다</a:t>
+            </a:r>
+            <a:r>
+              <a:rPr lang="en-US" altLang="ko-Kore-KR" sz="1100" dirty="0"/>
+              <a:t>.</a:t>
+            </a:r>
+          </a:p>
+          <a:p>
+            <a:pPr algn="ctr"/>
+            <a:r>
+              <a:rPr lang="ko-Kore-KR" altLang="en-US" sz="1100" dirty="0"/>
+              <a:t>다음 이후로 표현될 하이퍼링크에서</a:t>
+            </a:r>
+            <a:endParaRPr lang="en-US" altLang="ko-Kore-KR" sz="1100" dirty="0"/>
+          </a:p>
+          <a:p>
+            <a:pPr algn="ctr"/>
+            <a:r>
+              <a:rPr lang="ko-Kore-KR" altLang="en-US" sz="1100" dirty="0"/>
+              <a:t>밑줄에 대한 표현을 없애도록 하기 위해</a:t>
+            </a:r>
+            <a:endParaRPr lang="en-US" altLang="ko-Kore-KR" sz="1100" dirty="0"/>
+          </a:p>
+          <a:p>
+            <a:pPr algn="ctr"/>
+            <a:r>
+              <a:rPr lang="en-US" altLang="ko-Kore-KR" sz="1100" dirty="0" err="1"/>
+              <a:t>css</a:t>
+            </a:r>
+            <a:r>
+              <a:rPr lang="ko-Kore-KR" altLang="en-US" sz="1100" dirty="0"/>
+              <a:t>선언 형식의 </a:t>
+            </a:r>
+            <a:r>
+              <a:rPr lang="en-US" altLang="ko-Kore-KR" sz="1100" dirty="0"/>
+              <a:t>style</a:t>
+            </a:r>
+            <a:r>
+              <a:rPr lang="ko-Kore-KR" altLang="en-US" sz="1100" dirty="0"/>
+              <a:t>태그를 추가해주었습니다</a:t>
+            </a:r>
+            <a:r>
+              <a:rPr lang="en-US" altLang="ko-Kore-KR" sz="1100" dirty="0"/>
+              <a:t>.</a:t>
+            </a:r>
+          </a:p>
+        </p:txBody>
+      </p:sp>
+      <p:sp>
+        <p:nvSpPr>
+          <p:cNvPr id="44" name="TextBox 43">
+            <a:extLst>
+              <a:ext uri="{FF2B5EF4-FFF2-40B4-BE49-F238E27FC236}">
+                <a16:creationId xmlns:a16="http://schemas.microsoft.com/office/drawing/2014/main" id="{FFAFEF72-DA94-0C4C-A7C0-3C5BFDFFBAAF}"/>
+              </a:ext>
+            </a:extLst>
+          </p:cNvPr>
+          <p:cNvSpPr txBox="1"/>
+          <p:nvPr/>
+        </p:nvSpPr>
+        <p:spPr>
+          <a:xfrm>
+            <a:off x="6048686" y="4766353"/>
+            <a:ext cx="5513379" cy="938719"/>
+          </a:xfrm>
+          <a:prstGeom prst="rect">
+            <a:avLst/>
+          </a:prstGeom>
+          <a:noFill/>
+          <a:ln w="12700">
+            <a:solidFill>
+              <a:srgbClr val="FF7876"/>
+            </a:solidFill>
+          </a:ln>
+        </p:spPr>
+        <p:txBody>
+          <a:bodyPr wrap="square" rtlCol="0">
+            <a:spAutoFit/>
+          </a:bodyPr>
+          <a:lstStyle/>
+          <a:p>
+            <a:pPr algn="ctr"/>
+            <a:r>
+              <a:rPr lang="ko-Kore-KR" altLang="en-US" sz="1100" dirty="0"/>
+              <a:t>다음 사용자가 입력한 날짜에 맞는</a:t>
+            </a:r>
+            <a:r>
+              <a:rPr lang="en-US" altLang="ko-Kore-KR" sz="1100" dirty="0"/>
+              <a:t> </a:t>
+            </a:r>
+            <a:r>
+              <a:rPr lang="ko-Kore-KR" altLang="en-US" sz="1100" dirty="0"/>
+              <a:t>운세데이터를</a:t>
+            </a:r>
+            <a:endParaRPr lang="en-US" altLang="ko-Kore-KR" sz="1100" dirty="0"/>
+          </a:p>
+          <a:p>
+            <a:pPr algn="ctr"/>
+            <a:r>
+              <a:rPr lang="ko-Kore-KR" altLang="en-US" sz="1100" dirty="0"/>
+              <a:t>출력하도록 합니다</a:t>
+            </a:r>
+            <a:r>
+              <a:rPr lang="en-US" altLang="ko-Kore-KR" sz="1100" dirty="0"/>
+              <a:t>.</a:t>
+            </a:r>
+          </a:p>
+          <a:p>
+            <a:pPr algn="ctr"/>
+            <a:r>
+              <a:rPr lang="ko-Kore-KR" altLang="en-US" sz="1100" dirty="0"/>
+              <a:t>이전 렌더링시 제공했던 매개변수들을 활용하여 데이터를 출력하도록 합니다</a:t>
+            </a:r>
+            <a:r>
+              <a:rPr lang="en-US" altLang="ko-Kore-KR" sz="1100" dirty="0"/>
+              <a:t>.</a:t>
+            </a:r>
+          </a:p>
+          <a:p>
+            <a:pPr algn="ctr"/>
+            <a:r>
+              <a:rPr lang="ko-Kore-KR" altLang="en-US" sz="1100" dirty="0"/>
+              <a:t>입력 데이터가 운세정보에 없는 경우를 대비해 조건문을 추가하여</a:t>
+            </a:r>
+            <a:endParaRPr lang="en-US" altLang="ko-Kore-KR" sz="1100" dirty="0"/>
+          </a:p>
+          <a:p>
+            <a:pPr algn="ctr"/>
+            <a:r>
+              <a:rPr lang="ko-Kore-KR" altLang="en-US" sz="1100" dirty="0"/>
+              <a:t>경우에 맞게 출력하도록 하였습니다</a:t>
+            </a:r>
+            <a:r>
+              <a:rPr lang="en-US" altLang="ko-Kore-KR" sz="1100" dirty="0"/>
+              <a:t>.</a:t>
+            </a:r>
+          </a:p>
+        </p:txBody>
+      </p:sp>
+      <p:cxnSp>
+        <p:nvCxnSpPr>
+          <p:cNvPr id="45" name="직선 화살표 연결선 44">
+            <a:extLst>
+              <a:ext uri="{FF2B5EF4-FFF2-40B4-BE49-F238E27FC236}">
+                <a16:creationId xmlns:a16="http://schemas.microsoft.com/office/drawing/2014/main" id="{2874D4F9-70D2-DD4C-9665-531249CB5646}"/>
+              </a:ext>
+            </a:extLst>
+          </p:cNvPr>
+          <p:cNvCxnSpPr>
+            <a:cxnSpLocks/>
+            <a:endCxn id="41" idx="1"/>
+          </p:cNvCxnSpPr>
+          <p:nvPr/>
+        </p:nvCxnSpPr>
+        <p:spPr>
+          <a:xfrm flipV="1">
+            <a:off x="4284918" y="2007008"/>
+            <a:ext cx="2142362" cy="560624"/>
+          </a:xfrm>
+          <a:prstGeom prst="straightConnector1">
+            <a:avLst/>
+          </a:prstGeom>
+          <a:ln w="12700">
+            <a:solidFill>
+              <a:srgbClr val="FF7876"/>
+            </a:solidFill>
+            <a:tailEnd type="triangle"/>
+          </a:ln>
+        </p:spPr>
+        <p:style>
+          <a:lnRef idx="1">
+            <a:schemeClr val="accent1"/>
+          </a:lnRef>
+          <a:fillRef idx="0">
+            <a:schemeClr val="accent1"/>
+          </a:fillRef>
+          <a:effectRef idx="0">
+            <a:schemeClr val="accent1"/>
+          </a:effectRef>
+          <a:fontRef idx="minor">
+            <a:schemeClr val="tx1"/>
+          </a:fontRef>
+        </p:style>
+      </p:cxnSp>
+      <p:sp>
+        <p:nvSpPr>
+          <p:cNvPr id="46" name="TextBox 45">
+            <a:extLst>
+              <a:ext uri="{FF2B5EF4-FFF2-40B4-BE49-F238E27FC236}">
+                <a16:creationId xmlns:a16="http://schemas.microsoft.com/office/drawing/2014/main" id="{84560A50-AB24-CA4E-986F-6CBB99761CDB}"/>
+              </a:ext>
+            </a:extLst>
+          </p:cNvPr>
+          <p:cNvSpPr txBox="1"/>
+          <p:nvPr/>
+        </p:nvSpPr>
+        <p:spPr>
+          <a:xfrm>
+            <a:off x="6579767" y="2560257"/>
+            <a:ext cx="4523448" cy="769441"/>
+          </a:xfrm>
+          <a:prstGeom prst="rect">
+            <a:avLst/>
+          </a:prstGeom>
+          <a:noFill/>
+          <a:ln w="12700">
+            <a:solidFill>
+              <a:srgbClr val="FF7876"/>
+            </a:solidFill>
+          </a:ln>
+        </p:spPr>
+        <p:txBody>
+          <a:bodyPr wrap="square" rtlCol="0">
+            <a:spAutoFit/>
+          </a:bodyPr>
+          <a:lstStyle/>
+          <a:p>
+            <a:pPr algn="ctr"/>
+            <a:r>
+              <a:rPr lang="en-US" altLang="ko-KR" sz="1100" dirty="0"/>
+              <a:t>body</a:t>
+            </a:r>
+            <a:r>
+              <a:rPr lang="ko-KR" altLang="en-US" sz="1100" dirty="0"/>
+              <a:t>부분 시작입니다</a:t>
+            </a:r>
+            <a:r>
+              <a:rPr lang="en-US" altLang="ko-KR" sz="1100" dirty="0"/>
+              <a:t>.</a:t>
+            </a:r>
+          </a:p>
+          <a:p>
+            <a:pPr algn="ctr"/>
+            <a:r>
+              <a:rPr lang="ko-KR" altLang="en-US" sz="1100" dirty="0"/>
+              <a:t>처음 출력으로 이전 페이지인 메인페이지에서 받은 </a:t>
+            </a:r>
+            <a:r>
+              <a:rPr lang="ko-KR" altLang="en-US" sz="1100" dirty="0" err="1"/>
+              <a:t>날짜값들을</a:t>
+            </a:r>
+            <a:endParaRPr lang="en-US" altLang="ko-KR" sz="1100" dirty="0"/>
+          </a:p>
+          <a:p>
+            <a:pPr algn="ctr"/>
+            <a:r>
+              <a:rPr lang="ko-KR" altLang="en-US" sz="1100" dirty="0"/>
+              <a:t>출력하도록 하였습니다</a:t>
+            </a:r>
+            <a:r>
+              <a:rPr lang="en-US" altLang="ko-KR" sz="1100" dirty="0"/>
+              <a:t>.</a:t>
+            </a:r>
+          </a:p>
+          <a:p>
+            <a:pPr algn="ctr"/>
+            <a:r>
+              <a:rPr lang="en-US" altLang="ko-KR" sz="1100" dirty="0" err="1"/>
+              <a:t>hr</a:t>
+            </a:r>
+            <a:r>
+              <a:rPr lang="en-US" altLang="ko-KR" sz="1100" dirty="0"/>
+              <a:t> </a:t>
+            </a:r>
+            <a:r>
+              <a:rPr lang="ko-KR" altLang="en-US" sz="1100" dirty="0"/>
+              <a:t>태그로 구분선 역시 추가해주었습니다</a:t>
+            </a:r>
+            <a:r>
+              <a:rPr lang="en-US" altLang="ko-KR" sz="1100" dirty="0"/>
+              <a:t>.</a:t>
+            </a:r>
+          </a:p>
+        </p:txBody>
+      </p:sp>
+      <p:sp>
+        <p:nvSpPr>
+          <p:cNvPr id="24" name="오른쪽 중괄호[R] 23">
+            <a:extLst>
+              <a:ext uri="{FF2B5EF4-FFF2-40B4-BE49-F238E27FC236}">
+                <a16:creationId xmlns:a16="http://schemas.microsoft.com/office/drawing/2014/main" id="{C600A9AE-4DC3-8449-9960-B18D1C71511B}"/>
+              </a:ext>
+            </a:extLst>
+          </p:cNvPr>
+          <p:cNvSpPr/>
+          <p:nvPr/>
+        </p:nvSpPr>
+        <p:spPr>
+          <a:xfrm>
+            <a:off x="6048686" y="3466303"/>
+            <a:ext cx="241918" cy="252503"/>
+          </a:xfrm>
+          <a:prstGeom prst="rightBrace">
+            <a:avLst/>
+          </a:prstGeom>
+          <a:ln w="12700">
+            <a:solidFill>
+              <a:srgbClr val="FF7876"/>
+            </a:solidFill>
+          </a:ln>
+        </p:spPr>
+        <p:style>
+          <a:lnRef idx="1">
+            <a:schemeClr val="accent1"/>
+          </a:lnRef>
+          <a:fillRef idx="0">
+            <a:schemeClr val="accent1"/>
+          </a:fillRef>
+          <a:effectRef idx="0">
+            <a:schemeClr val="accent1"/>
+          </a:effectRef>
+          <a:fontRef idx="minor">
+            <a:schemeClr val="tx1"/>
+          </a:fontRef>
+        </p:style>
+        <p:txBody>
+          <a:bodyPr rtlCol="0" anchor="ctr"/>
+          <a:lstStyle/>
+          <a:p>
+            <a:pPr algn="ctr"/>
+            <a:endParaRPr kumimoji="1" lang="ko-Kore-KR" altLang="en-US" dirty="0"/>
+          </a:p>
+        </p:txBody>
+      </p:sp>
+      <p:sp>
+        <p:nvSpPr>
+          <p:cNvPr id="27" name="오른쪽 중괄호[R] 26">
+            <a:extLst>
+              <a:ext uri="{FF2B5EF4-FFF2-40B4-BE49-F238E27FC236}">
+                <a16:creationId xmlns:a16="http://schemas.microsoft.com/office/drawing/2014/main" id="{F5BD731C-DBAE-1C4C-AF0E-DA482D7EB967}"/>
+              </a:ext>
+            </a:extLst>
+          </p:cNvPr>
+          <p:cNvSpPr/>
+          <p:nvPr/>
+        </p:nvSpPr>
+        <p:spPr>
+          <a:xfrm>
+            <a:off x="3959266" y="3718229"/>
+            <a:ext cx="241918" cy="1161268"/>
+          </a:xfrm>
+          <a:prstGeom prst="rightBrace">
+            <a:avLst/>
+          </a:prstGeom>
+          <a:ln w="12700">
+            <a:solidFill>
+              <a:srgbClr val="FF7876"/>
+            </a:solidFill>
+          </a:ln>
+        </p:spPr>
+        <p:style>
+          <a:lnRef idx="1">
+            <a:schemeClr val="accent1"/>
+          </a:lnRef>
+          <a:fillRef idx="0">
+            <a:schemeClr val="accent1"/>
+          </a:fillRef>
+          <a:effectRef idx="0">
+            <a:schemeClr val="accent1"/>
+          </a:effectRef>
+          <a:fontRef idx="minor">
+            <a:schemeClr val="tx1"/>
+          </a:fontRef>
+        </p:style>
+        <p:txBody>
+          <a:bodyPr rtlCol="0" anchor="ctr"/>
+          <a:lstStyle/>
+          <a:p>
+            <a:pPr algn="ctr"/>
+            <a:endParaRPr kumimoji="1" lang="ko-Kore-KR" altLang="en-US" dirty="0"/>
+          </a:p>
+        </p:txBody>
+      </p:sp>
+      <p:cxnSp>
+        <p:nvCxnSpPr>
+          <p:cNvPr id="28" name="직선 화살표 연결선 27">
+            <a:extLst>
+              <a:ext uri="{FF2B5EF4-FFF2-40B4-BE49-F238E27FC236}">
+                <a16:creationId xmlns:a16="http://schemas.microsoft.com/office/drawing/2014/main" id="{051F30A7-6D5C-C442-ABE2-6EBD5306FD53}"/>
+              </a:ext>
+            </a:extLst>
+          </p:cNvPr>
+          <p:cNvCxnSpPr>
+            <a:cxnSpLocks/>
+            <a:stCxn id="27" idx="1"/>
+          </p:cNvCxnSpPr>
+          <p:nvPr/>
+        </p:nvCxnSpPr>
+        <p:spPr>
+          <a:xfrm>
+            <a:off x="4201184" y="4298863"/>
+            <a:ext cx="1832160" cy="864914"/>
+          </a:xfrm>
+          <a:prstGeom prst="straightConnector1">
+            <a:avLst/>
+          </a:prstGeom>
+          <a:ln w="12700">
+            <a:solidFill>
+              <a:srgbClr val="FF7876"/>
+            </a:solidFill>
+            <a:tailEnd type="triangle"/>
+          </a:ln>
+        </p:spPr>
+        <p:style>
+          <a:lnRef idx="1">
+            <a:schemeClr val="accent1"/>
+          </a:lnRef>
+          <a:fillRef idx="0">
+            <a:schemeClr val="accent1"/>
+          </a:fillRef>
+          <a:effectRef idx="0">
+            <a:schemeClr val="accent1"/>
+          </a:effectRef>
+          <a:fontRef idx="minor">
+            <a:schemeClr val="tx1"/>
+          </a:fontRef>
+        </p:style>
+      </p:cxnSp>
+      <p:sp>
+        <p:nvSpPr>
+          <p:cNvPr id="47" name="오른쪽 중괄호[R] 46">
+            <a:extLst>
+              <a:ext uri="{FF2B5EF4-FFF2-40B4-BE49-F238E27FC236}">
+                <a16:creationId xmlns:a16="http://schemas.microsoft.com/office/drawing/2014/main" id="{FC701A0A-A3A3-5A47-A0D4-8EC65A24FDE5}"/>
+              </a:ext>
+            </a:extLst>
+          </p:cNvPr>
+          <p:cNvSpPr/>
+          <p:nvPr/>
+        </p:nvSpPr>
+        <p:spPr>
+          <a:xfrm>
+            <a:off x="4875346" y="2968651"/>
+            <a:ext cx="241918" cy="331175"/>
+          </a:xfrm>
+          <a:prstGeom prst="rightBrace">
+            <a:avLst/>
+          </a:prstGeom>
+          <a:ln w="12700">
+            <a:solidFill>
+              <a:srgbClr val="FF7876"/>
+            </a:solidFill>
+          </a:ln>
+        </p:spPr>
+        <p:style>
+          <a:lnRef idx="1">
+            <a:schemeClr val="accent1"/>
+          </a:lnRef>
+          <a:fillRef idx="0">
+            <a:schemeClr val="accent1"/>
+          </a:fillRef>
+          <a:effectRef idx="0">
+            <a:schemeClr val="accent1"/>
+          </a:effectRef>
+          <a:fontRef idx="minor">
+            <a:schemeClr val="tx1"/>
+          </a:fontRef>
+        </p:style>
+        <p:txBody>
+          <a:bodyPr rtlCol="0" anchor="ctr"/>
+          <a:lstStyle/>
+          <a:p>
+            <a:pPr algn="ctr"/>
+            <a:endParaRPr kumimoji="1" lang="ko-Kore-KR" altLang="en-US" dirty="0"/>
+          </a:p>
+        </p:txBody>
+      </p:sp>
+      <p:cxnSp>
+        <p:nvCxnSpPr>
+          <p:cNvPr id="48" name="직선 화살표 연결선 47">
+            <a:extLst>
+              <a:ext uri="{FF2B5EF4-FFF2-40B4-BE49-F238E27FC236}">
+                <a16:creationId xmlns:a16="http://schemas.microsoft.com/office/drawing/2014/main" id="{C6380715-E1AA-E346-9AC0-82D051E240F6}"/>
+              </a:ext>
+            </a:extLst>
+          </p:cNvPr>
+          <p:cNvCxnSpPr>
+            <a:cxnSpLocks/>
+          </p:cNvCxnSpPr>
+          <p:nvPr/>
+        </p:nvCxnSpPr>
+        <p:spPr>
+          <a:xfrm flipV="1">
+            <a:off x="5117264" y="2953070"/>
+            <a:ext cx="1462503" cy="176631"/>
+          </a:xfrm>
+          <a:prstGeom prst="straightConnector1">
+            <a:avLst/>
+          </a:prstGeom>
+          <a:ln w="12700">
+            <a:solidFill>
+              <a:srgbClr val="FF7876"/>
+            </a:solidFill>
+            <a:tailEnd type="triangle"/>
+          </a:ln>
+        </p:spPr>
+        <p:style>
+          <a:lnRef idx="1">
+            <a:schemeClr val="accent1"/>
+          </a:lnRef>
+          <a:fillRef idx="0">
+            <a:schemeClr val="accent1"/>
+          </a:fillRef>
+          <a:effectRef idx="0">
+            <a:schemeClr val="accent1"/>
+          </a:effectRef>
+          <a:fontRef idx="minor">
+            <a:schemeClr val="tx1"/>
+          </a:fontRef>
+        </p:style>
+      </p:cxnSp>
+    </p:spTree>
+    <p:extLst>
+      <p:ext uri="{BB962C8B-B14F-4D97-AF65-F5344CB8AC3E}">
+        <p14:creationId xmlns:p14="http://schemas.microsoft.com/office/powerpoint/2010/main" val="2240833178"/>
+      </p:ext>
+    </p:extLst>
+  </p:cSld>
+  <p:clrMapOvr>
+    <a:masterClrMapping/>
+  </p:clrMapOvr>
+</p:sld>
+</file>
+
+<file path=ppt/slides/slide13.xml><?xml version="1.0" encoding="utf-8"?>
+<p:sld xmlns:a="http://schemas.openxmlformats.org/drawingml/2006/main" xmlns:r="http://schemas.openxmlformats.org/officeDocument/2006/relationships" xmlns:p="http://schemas.openxmlformats.org/presentationml/2006/main">
+  <p:cSld>
+    <p:spTree>
+      <p:nvGrpSpPr>
+        <p:cNvPr id="1" name=""/>
+        <p:cNvGrpSpPr/>
+        <p:nvPr/>
+      </p:nvGrpSpPr>
+      <p:grpSpPr>
+        <a:xfrm>
+          <a:off x="0" y="0"/>
+          <a:ext cx="0" cy="0"/>
+          <a:chOff x="0" y="0"/>
+          <a:chExt cx="0" cy="0"/>
+        </a:xfrm>
+      </p:grpSpPr>
+      <p:sp>
+        <p:nvSpPr>
+          <p:cNvPr id="37" name="직사각형 36">
+            <a:extLst>
+              <a:ext uri="{FF2B5EF4-FFF2-40B4-BE49-F238E27FC236}">
+                <a16:creationId xmlns:a16="http://schemas.microsoft.com/office/drawing/2014/main" id="{3F15C60C-17FE-422D-AFCF-73C75A021362}"/>
+              </a:ext>
+            </a:extLst>
+          </p:cNvPr>
+          <p:cNvSpPr/>
+          <p:nvPr/>
+        </p:nvSpPr>
+        <p:spPr>
+          <a:xfrm>
+            <a:off x="3697172" y="332194"/>
+            <a:ext cx="4713765" cy="735842"/>
+          </a:xfrm>
+          <a:prstGeom prst="rect">
+            <a:avLst/>
+          </a:prstGeom>
+        </p:spPr>
+        <p:txBody>
+          <a:bodyPr wrap="square">
+            <a:spAutoFit/>
+          </a:bodyPr>
+          <a:lstStyle/>
+          <a:p>
+            <a:pPr algn="ctr" latinLnBrk="0">
+              <a:lnSpc>
+                <a:spcPct val="150000"/>
+              </a:lnSpc>
+              <a:defRPr/>
+            </a:pPr>
+            <a:r>
+              <a:rPr lang="en-US" altLang="ko-KR" sz="3200" b="1" i="1" kern="0" dirty="0">
+                <a:solidFill>
+                  <a:srgbClr val="FF7876"/>
+                </a:solidFill>
+              </a:rPr>
+              <a:t>3</a:t>
+            </a:r>
+          </a:p>
+        </p:txBody>
+      </p:sp>
+      <p:cxnSp>
+        <p:nvCxnSpPr>
+          <p:cNvPr id="38" name="직선 연결선 37">
+            <a:extLst>
+              <a:ext uri="{FF2B5EF4-FFF2-40B4-BE49-F238E27FC236}">
+                <a16:creationId xmlns:a16="http://schemas.microsoft.com/office/drawing/2014/main" id="{940134F4-F272-426A-B50B-8075427DF501}"/>
+              </a:ext>
+            </a:extLst>
+          </p:cNvPr>
+          <p:cNvCxnSpPr>
+            <a:cxnSpLocks/>
+          </p:cNvCxnSpPr>
+          <p:nvPr/>
+        </p:nvCxnSpPr>
+        <p:spPr>
+          <a:xfrm flipV="1">
+            <a:off x="843148" y="847712"/>
+            <a:ext cx="4769087" cy="1"/>
+          </a:xfrm>
+          <a:prstGeom prst="line">
+            <a:avLst/>
+          </a:prstGeom>
+          <a:ln w="6350">
+            <a:solidFill>
+              <a:srgbClr val="FF7876"/>
+            </a:solidFill>
+            <a:prstDash val="sysDash"/>
+            <a:tailEnd type="oval"/>
+          </a:ln>
+        </p:spPr>
+        <p:style>
+          <a:lnRef idx="1">
+            <a:schemeClr val="accent1"/>
+          </a:lnRef>
+          <a:fillRef idx="0">
+            <a:schemeClr val="accent1"/>
+          </a:fillRef>
+          <a:effectRef idx="0">
+            <a:schemeClr val="accent1"/>
+          </a:effectRef>
+          <a:fontRef idx="minor">
+            <a:schemeClr val="tx1"/>
+          </a:fontRef>
+        </p:style>
+      </p:cxnSp>
+      <p:cxnSp>
+        <p:nvCxnSpPr>
+          <p:cNvPr id="39" name="직선 연결선 38">
+            <a:extLst>
+              <a:ext uri="{FF2B5EF4-FFF2-40B4-BE49-F238E27FC236}">
+                <a16:creationId xmlns:a16="http://schemas.microsoft.com/office/drawing/2014/main" id="{55EBD739-0979-4546-8E6B-9CA8052FC540}"/>
+              </a:ext>
+            </a:extLst>
+          </p:cNvPr>
+          <p:cNvCxnSpPr>
+            <a:cxnSpLocks/>
+          </p:cNvCxnSpPr>
+          <p:nvPr/>
+        </p:nvCxnSpPr>
+        <p:spPr>
+          <a:xfrm flipH="1">
+            <a:off x="6579767" y="847712"/>
+            <a:ext cx="4692810" cy="0"/>
+          </a:xfrm>
+          <a:prstGeom prst="line">
+            <a:avLst/>
+          </a:prstGeom>
+          <a:ln w="6350">
+            <a:solidFill>
+              <a:srgbClr val="FF7876"/>
+            </a:solidFill>
+            <a:prstDash val="sysDash"/>
+            <a:tailEnd type="oval"/>
+          </a:ln>
+        </p:spPr>
+        <p:style>
+          <a:lnRef idx="1">
+            <a:schemeClr val="accent1"/>
+          </a:lnRef>
+          <a:fillRef idx="0">
+            <a:schemeClr val="accent1"/>
+          </a:fillRef>
+          <a:effectRef idx="0">
+            <a:schemeClr val="accent1"/>
+          </a:effectRef>
+          <a:fontRef idx="minor">
+            <a:schemeClr val="tx1"/>
+          </a:fontRef>
+        </p:style>
+      </p:cxnSp>
+      <p:sp>
+        <p:nvSpPr>
+          <p:cNvPr id="8" name="TextBox 7">
+            <a:extLst>
+              <a:ext uri="{FF2B5EF4-FFF2-40B4-BE49-F238E27FC236}">
+                <a16:creationId xmlns:a16="http://schemas.microsoft.com/office/drawing/2014/main" id="{C18154B9-4F65-4277-8C17-63D9702FC25F}"/>
+              </a:ext>
+            </a:extLst>
+          </p:cNvPr>
+          <p:cNvSpPr txBox="1"/>
+          <p:nvPr/>
+        </p:nvSpPr>
+        <p:spPr>
+          <a:xfrm>
+            <a:off x="765146" y="963122"/>
+            <a:ext cx="10507430" cy="261610"/>
+          </a:xfrm>
+          <a:prstGeom prst="rect">
+            <a:avLst/>
+          </a:prstGeom>
+          <a:noFill/>
+        </p:spPr>
+        <p:txBody>
+          <a:bodyPr wrap="square" rtlCol="0">
+            <a:spAutoFit/>
+          </a:bodyPr>
+          <a:lstStyle/>
+          <a:p>
+            <a:pPr algn="ctr"/>
+            <a:r>
+              <a:rPr lang="ko-Kore-KR" altLang="en-US" sz="1100" i="1" dirty="0">
+                <a:solidFill>
+                  <a:srgbClr val="FF7876"/>
+                </a:solidFill>
+              </a:rPr>
+              <a:t>임의 프로그램 </a:t>
+            </a:r>
+            <a:r>
+              <a:rPr lang="en-US" altLang="ko-Kore-KR" sz="1100" i="1" dirty="0">
+                <a:solidFill>
+                  <a:srgbClr val="FF7876"/>
+                </a:solidFill>
+              </a:rPr>
+              <a:t>– GET</a:t>
+            </a:r>
+            <a:r>
+              <a:rPr lang="ko-Kore-KR" altLang="en-US" sz="1100" i="1" dirty="0">
+                <a:solidFill>
+                  <a:srgbClr val="FF7876"/>
+                </a:solidFill>
+              </a:rPr>
+              <a:t> 과 </a:t>
+            </a:r>
+            <a:r>
+              <a:rPr lang="en-US" altLang="ko-Kore-KR" sz="1100" i="1" dirty="0">
+                <a:solidFill>
+                  <a:srgbClr val="FF7876"/>
+                </a:solidFill>
+              </a:rPr>
+              <a:t>POST</a:t>
+            </a:r>
+            <a:endParaRPr lang="en-US" altLang="ko-KR" sz="1100" i="1" dirty="0">
+              <a:solidFill>
+                <a:srgbClr val="FF7876"/>
+              </a:solidFill>
+            </a:endParaRPr>
+          </a:p>
+        </p:txBody>
+      </p:sp>
+      <p:sp>
+        <p:nvSpPr>
+          <p:cNvPr id="44" name="TextBox 43">
+            <a:extLst>
+              <a:ext uri="{FF2B5EF4-FFF2-40B4-BE49-F238E27FC236}">
+                <a16:creationId xmlns:a16="http://schemas.microsoft.com/office/drawing/2014/main" id="{FFAFEF72-DA94-0C4C-A7C0-3C5BFDFFBAAF}"/>
+              </a:ext>
+            </a:extLst>
+          </p:cNvPr>
+          <p:cNvSpPr txBox="1"/>
+          <p:nvPr/>
+        </p:nvSpPr>
+        <p:spPr>
+          <a:xfrm>
+            <a:off x="3339309" y="5240847"/>
+            <a:ext cx="5513379" cy="938719"/>
+          </a:xfrm>
+          <a:prstGeom prst="rect">
+            <a:avLst/>
+          </a:prstGeom>
+          <a:noFill/>
+          <a:ln w="12700">
+            <a:solidFill>
+              <a:srgbClr val="FF7876"/>
+            </a:solidFill>
+          </a:ln>
+        </p:spPr>
+        <p:txBody>
+          <a:bodyPr wrap="square" rtlCol="0">
+            <a:spAutoFit/>
+          </a:bodyPr>
+          <a:lstStyle/>
+          <a:p>
+            <a:pPr algn="ctr"/>
+            <a:r>
+              <a:rPr lang="ko-Kore-KR" altLang="en-US" sz="1100" dirty="0"/>
+              <a:t>페이지에서 페이지 데이터 전송시 </a:t>
+            </a:r>
+            <a:r>
+              <a:rPr lang="en-US" altLang="ko-Kore-KR" sz="1100" dirty="0"/>
+              <a:t>GET</a:t>
+            </a:r>
+            <a:r>
+              <a:rPr lang="ko-Kore-KR" altLang="en-US" sz="1100" dirty="0"/>
+              <a:t>과 </a:t>
+            </a:r>
+            <a:r>
+              <a:rPr lang="en-US" altLang="ko-Kore-KR" sz="1100" dirty="0"/>
+              <a:t>POST</a:t>
+            </a:r>
+            <a:r>
+              <a:rPr lang="ko-Kore-KR" altLang="en-US" sz="1100" dirty="0"/>
+              <a:t>를 주로 이용하게 됩니다</a:t>
+            </a:r>
+            <a:r>
+              <a:rPr lang="en-US" altLang="ko-Kore-KR" sz="1100" dirty="0"/>
+              <a:t>.</a:t>
+            </a:r>
+          </a:p>
+          <a:p>
+            <a:pPr algn="ctr"/>
+            <a:r>
+              <a:rPr lang="en-US" altLang="ko-Kore-KR" sz="1100" dirty="0"/>
+              <a:t>GET</a:t>
+            </a:r>
+            <a:r>
+              <a:rPr lang="ko-Kore-KR" altLang="en-US" sz="1100" dirty="0"/>
+              <a:t>의 경우 </a:t>
+            </a:r>
+            <a:r>
+              <a:rPr lang="en-US" altLang="ko-Kore-KR" sz="1100" dirty="0"/>
+              <a:t>http </a:t>
+            </a:r>
+            <a:r>
+              <a:rPr lang="ko-Kore-KR" altLang="en-US" sz="1100" dirty="0"/>
+              <a:t>주소에 데이터를 입력하여 전송하는 방식이고</a:t>
+            </a:r>
+            <a:endParaRPr lang="en-US" altLang="ko-Kore-KR" sz="1100" dirty="0"/>
+          </a:p>
+          <a:p>
+            <a:pPr algn="ctr"/>
+            <a:r>
+              <a:rPr lang="en-US" altLang="ko-Kore-KR" sz="1100" dirty="0"/>
+              <a:t>POST</a:t>
+            </a:r>
+            <a:r>
+              <a:rPr lang="ko-Kore-KR" altLang="en-US" sz="1100" dirty="0"/>
+              <a:t>의 경우 </a:t>
+            </a:r>
+            <a:r>
+              <a:rPr lang="en-US" altLang="ko-Kore-KR" sz="1100" dirty="0"/>
+              <a:t>HTTP body </a:t>
+            </a:r>
+            <a:r>
+              <a:rPr lang="ko-Kore-KR" altLang="en-US" sz="1100" dirty="0"/>
+              <a:t>내에 데이터를 넣어 전송하는 방식입니다</a:t>
+            </a:r>
+            <a:r>
+              <a:rPr lang="en-US" altLang="ko-Kore-KR" sz="1100" dirty="0"/>
+              <a:t>.</a:t>
+            </a:r>
+          </a:p>
+          <a:p>
+            <a:pPr algn="ctr"/>
+            <a:r>
+              <a:rPr lang="en-US" altLang="ko-Kore-KR" sz="1100" dirty="0"/>
+              <a:t>GET</a:t>
+            </a:r>
+            <a:r>
+              <a:rPr lang="ko-Kore-KR" altLang="en-US" sz="1100" dirty="0"/>
+              <a:t>에선 주소에서 </a:t>
+            </a:r>
+            <a:r>
+              <a:rPr lang="en-US" altLang="ko-Kore-KR" sz="1100" dirty="0"/>
+              <a:t>? </a:t>
+            </a:r>
+            <a:r>
+              <a:rPr lang="ko-Kore-KR" altLang="en-US" sz="1100" dirty="0"/>
+              <a:t>이후 데이터 정보가 나오는것을 확인할 수 있고</a:t>
+            </a:r>
+            <a:endParaRPr lang="en-US" altLang="ko-Kore-KR" sz="1100" dirty="0"/>
+          </a:p>
+          <a:p>
+            <a:pPr algn="ctr"/>
+            <a:r>
+              <a:rPr lang="en-US" altLang="ko-Kore-KR" sz="1100" dirty="0"/>
+              <a:t>POST</a:t>
+            </a:r>
+            <a:r>
+              <a:rPr lang="ko-Kore-KR" altLang="en-US" sz="1100" dirty="0"/>
+              <a:t>의 경우 웹페이지 받아오는 소스에서 확인할 수 있습니다</a:t>
+            </a:r>
+            <a:r>
+              <a:rPr lang="en-US" altLang="ko-Kore-KR" sz="1100" dirty="0"/>
+              <a:t>.</a:t>
+            </a:r>
+          </a:p>
+        </p:txBody>
+      </p:sp>
+      <p:pic>
+        <p:nvPicPr>
+          <p:cNvPr id="2" name="그림 1">
+            <a:extLst>
+              <a:ext uri="{FF2B5EF4-FFF2-40B4-BE49-F238E27FC236}">
+                <a16:creationId xmlns:a16="http://schemas.microsoft.com/office/drawing/2014/main" id="{74018DC1-D9F9-1C4B-929F-249B5638725E}"/>
+              </a:ext>
+            </a:extLst>
+          </p:cNvPr>
+          <p:cNvPicPr>
+            <a:picLocks noChangeAspect="1"/>
+          </p:cNvPicPr>
+          <p:nvPr/>
+        </p:nvPicPr>
+        <p:blipFill>
+          <a:blip r:embed="rId2"/>
+          <a:stretch>
+            <a:fillRect/>
+          </a:stretch>
+        </p:blipFill>
+        <p:spPr>
+          <a:xfrm>
+            <a:off x="372233" y="1363231"/>
+            <a:ext cx="5452796" cy="3079024"/>
+          </a:xfrm>
+          <a:prstGeom prst="rect">
+            <a:avLst/>
+          </a:prstGeom>
+        </p:spPr>
+      </p:pic>
+      <p:sp>
+        <p:nvSpPr>
+          <p:cNvPr id="15" name="TextBox 14">
+            <a:extLst>
+              <a:ext uri="{FF2B5EF4-FFF2-40B4-BE49-F238E27FC236}">
+                <a16:creationId xmlns:a16="http://schemas.microsoft.com/office/drawing/2014/main" id="{17E27974-AC3D-054E-B7D4-FA63F2E1735C}"/>
+              </a:ext>
+            </a:extLst>
+          </p:cNvPr>
+          <p:cNvSpPr txBox="1"/>
+          <p:nvPr/>
+        </p:nvSpPr>
+        <p:spPr>
+          <a:xfrm>
+            <a:off x="2059417" y="2622156"/>
+            <a:ext cx="1468710" cy="185780"/>
+          </a:xfrm>
+          <a:prstGeom prst="rect">
+            <a:avLst/>
+          </a:prstGeom>
+          <a:noFill/>
+          <a:ln w="12700">
+            <a:solidFill>
+              <a:srgbClr val="FF7876"/>
+            </a:solidFill>
+          </a:ln>
+        </p:spPr>
+        <p:txBody>
+          <a:bodyPr wrap="square" rtlCol="0">
+            <a:spAutoFit/>
+          </a:bodyPr>
+          <a:lstStyle/>
+          <a:p>
+            <a:pPr algn="ctr"/>
+            <a:endParaRPr lang="en-US" altLang="ko-Kore-KR" sz="1100" dirty="0"/>
+          </a:p>
+        </p:txBody>
+      </p:sp>
+      <p:pic>
+        <p:nvPicPr>
+          <p:cNvPr id="3" name="그림 2">
+            <a:extLst>
+              <a:ext uri="{FF2B5EF4-FFF2-40B4-BE49-F238E27FC236}">
+                <a16:creationId xmlns:a16="http://schemas.microsoft.com/office/drawing/2014/main" id="{10F1DFB6-43AE-984A-B311-97D7374743A1}"/>
+              </a:ext>
+            </a:extLst>
+          </p:cNvPr>
+          <p:cNvPicPr>
+            <a:picLocks noChangeAspect="1"/>
+          </p:cNvPicPr>
+          <p:nvPr/>
+        </p:nvPicPr>
+        <p:blipFill>
+          <a:blip r:embed="rId3"/>
+          <a:stretch>
+            <a:fillRect/>
+          </a:stretch>
+        </p:blipFill>
+        <p:spPr>
+          <a:xfrm>
+            <a:off x="4933479" y="1197441"/>
+            <a:ext cx="6767603" cy="3886709"/>
+          </a:xfrm>
+          <a:prstGeom prst="rect">
+            <a:avLst/>
+          </a:prstGeom>
+        </p:spPr>
+      </p:pic>
+      <p:sp>
+        <p:nvSpPr>
+          <p:cNvPr id="17" name="TextBox 16">
+            <a:extLst>
+              <a:ext uri="{FF2B5EF4-FFF2-40B4-BE49-F238E27FC236}">
+                <a16:creationId xmlns:a16="http://schemas.microsoft.com/office/drawing/2014/main" id="{867FA618-FD3D-084A-9F25-8BF13318D039}"/>
+              </a:ext>
+            </a:extLst>
+          </p:cNvPr>
+          <p:cNvSpPr txBox="1"/>
+          <p:nvPr/>
+        </p:nvSpPr>
+        <p:spPr>
+          <a:xfrm>
+            <a:off x="9090047" y="3980268"/>
+            <a:ext cx="1211114" cy="195221"/>
+          </a:xfrm>
+          <a:prstGeom prst="rect">
+            <a:avLst/>
+          </a:prstGeom>
+          <a:noFill/>
+          <a:ln w="12700">
+            <a:solidFill>
+              <a:srgbClr val="FF7876"/>
+            </a:solidFill>
+          </a:ln>
+        </p:spPr>
+        <p:txBody>
+          <a:bodyPr wrap="square" rtlCol="0">
+            <a:spAutoFit/>
+          </a:bodyPr>
+          <a:lstStyle/>
+          <a:p>
+            <a:pPr algn="ctr"/>
+            <a:endParaRPr lang="en-US" altLang="ko-Kore-KR" sz="1100" dirty="0"/>
+          </a:p>
+        </p:txBody>
+      </p:sp>
+      <p:cxnSp>
+        <p:nvCxnSpPr>
+          <p:cNvPr id="18" name="직선 화살표 연결선 17">
+            <a:extLst>
+              <a:ext uri="{FF2B5EF4-FFF2-40B4-BE49-F238E27FC236}">
+                <a16:creationId xmlns:a16="http://schemas.microsoft.com/office/drawing/2014/main" id="{9102EEAA-7917-EB4A-8FDC-CB65CCD7D97A}"/>
+              </a:ext>
+            </a:extLst>
+          </p:cNvPr>
+          <p:cNvCxnSpPr>
+            <a:cxnSpLocks/>
+          </p:cNvCxnSpPr>
+          <p:nvPr/>
+        </p:nvCxnSpPr>
+        <p:spPr>
+          <a:xfrm>
+            <a:off x="3439115" y="4086478"/>
+            <a:ext cx="5650932" cy="0"/>
+          </a:xfrm>
+          <a:prstGeom prst="straightConnector1">
+            <a:avLst/>
+          </a:prstGeom>
+          <a:ln w="12700">
+            <a:solidFill>
+              <a:srgbClr val="FF7876"/>
+            </a:solidFill>
+            <a:tailEnd type="triangle"/>
+          </a:ln>
+        </p:spPr>
+        <p:style>
+          <a:lnRef idx="1">
+            <a:schemeClr val="accent1"/>
+          </a:lnRef>
+          <a:fillRef idx="0">
+            <a:schemeClr val="accent1"/>
+          </a:fillRef>
+          <a:effectRef idx="0">
+            <a:schemeClr val="accent1"/>
+          </a:effectRef>
+          <a:fontRef idx="minor">
+            <a:schemeClr val="tx1"/>
+          </a:fontRef>
+        </p:style>
+      </p:cxnSp>
+      <p:cxnSp>
+        <p:nvCxnSpPr>
+          <p:cNvPr id="20" name="직선 화살표 연결선 19">
+            <a:extLst>
+              <a:ext uri="{FF2B5EF4-FFF2-40B4-BE49-F238E27FC236}">
+                <a16:creationId xmlns:a16="http://schemas.microsoft.com/office/drawing/2014/main" id="{E95D3EBB-860D-524E-8CBF-B66BF3839B5D}"/>
+              </a:ext>
+            </a:extLst>
+          </p:cNvPr>
+          <p:cNvCxnSpPr>
+            <a:cxnSpLocks/>
+          </p:cNvCxnSpPr>
+          <p:nvPr/>
+        </p:nvCxnSpPr>
+        <p:spPr>
+          <a:xfrm flipH="1" flipV="1">
+            <a:off x="7072439" y="1804524"/>
+            <a:ext cx="2170008" cy="2175744"/>
+          </a:xfrm>
+          <a:prstGeom prst="straightConnector1">
+            <a:avLst/>
+          </a:prstGeom>
+          <a:ln w="12700">
+            <a:solidFill>
+              <a:srgbClr val="FF7876"/>
+            </a:solidFill>
+            <a:tailEnd type="triangle"/>
+          </a:ln>
+        </p:spPr>
+        <p:style>
+          <a:lnRef idx="1">
+            <a:schemeClr val="accent1"/>
+          </a:lnRef>
+          <a:fillRef idx="0">
+            <a:schemeClr val="accent1"/>
+          </a:fillRef>
+          <a:effectRef idx="0">
+            <a:schemeClr val="accent1"/>
+          </a:effectRef>
+          <a:fontRef idx="minor">
+            <a:schemeClr val="tx1"/>
+          </a:fontRef>
+        </p:style>
+      </p:cxnSp>
+    </p:spTree>
+    <p:extLst>
+      <p:ext uri="{BB962C8B-B14F-4D97-AF65-F5344CB8AC3E}">
+        <p14:creationId xmlns:p14="http://schemas.microsoft.com/office/powerpoint/2010/main" val="1216134810"/>
+      </p:ext>
+    </p:extLst>
+  </p:cSld>
+  <p:clrMapOvr>
+    <a:masterClrMapping/>
+  </p:clrMapOvr>
+</p:sld>
+</file>
+
+<file path=ppt/slides/slide14.xml><?xml version="1.0" encoding="utf-8"?>
+<p:sld xmlns:a="http://schemas.openxmlformats.org/drawingml/2006/main" xmlns:r="http://schemas.openxmlformats.org/officeDocument/2006/relationships" xmlns:p="http://schemas.openxmlformats.org/presentationml/2006/main">
+  <p:cSld>
+    <p:spTree>
+      <p:nvGrpSpPr>
+        <p:cNvPr id="1" name=""/>
+        <p:cNvGrpSpPr/>
+        <p:nvPr/>
+      </p:nvGrpSpPr>
+      <p:grpSpPr>
+        <a:xfrm>
+          <a:off x="0" y="0"/>
+          <a:ext cx="0" cy="0"/>
+          <a:chOff x="0" y="0"/>
+          <a:chExt cx="0" cy="0"/>
+        </a:xfrm>
+      </p:grpSpPr>
+      <p:sp>
+        <p:nvSpPr>
+          <p:cNvPr id="37" name="직사각형 36">
+            <a:extLst>
+              <a:ext uri="{FF2B5EF4-FFF2-40B4-BE49-F238E27FC236}">
+                <a16:creationId xmlns:a16="http://schemas.microsoft.com/office/drawing/2014/main" id="{3F15C60C-17FE-422D-AFCF-73C75A021362}"/>
+              </a:ext>
+            </a:extLst>
+          </p:cNvPr>
+          <p:cNvSpPr/>
+          <p:nvPr/>
+        </p:nvSpPr>
+        <p:spPr>
+          <a:xfrm>
+            <a:off x="3697172" y="332194"/>
+            <a:ext cx="4713765" cy="735842"/>
+          </a:xfrm>
+          <a:prstGeom prst="rect">
+            <a:avLst/>
+          </a:prstGeom>
+        </p:spPr>
+        <p:txBody>
+          <a:bodyPr wrap="square">
+            <a:spAutoFit/>
+          </a:bodyPr>
+          <a:lstStyle/>
+          <a:p>
+            <a:pPr algn="ctr" latinLnBrk="0">
+              <a:lnSpc>
+                <a:spcPct val="150000"/>
+              </a:lnSpc>
+              <a:defRPr/>
+            </a:pPr>
+            <a:r>
+              <a:rPr lang="en-US" altLang="ko-KR" sz="3200" b="1" i="1" kern="0" dirty="0">
+                <a:solidFill>
+                  <a:srgbClr val="FF7876"/>
+                </a:solidFill>
+              </a:rPr>
+              <a:t>3</a:t>
+            </a:r>
+          </a:p>
+        </p:txBody>
+      </p:sp>
+      <p:cxnSp>
+        <p:nvCxnSpPr>
+          <p:cNvPr id="38" name="직선 연결선 37">
+            <a:extLst>
+              <a:ext uri="{FF2B5EF4-FFF2-40B4-BE49-F238E27FC236}">
+                <a16:creationId xmlns:a16="http://schemas.microsoft.com/office/drawing/2014/main" id="{940134F4-F272-426A-B50B-8075427DF501}"/>
+              </a:ext>
+            </a:extLst>
+          </p:cNvPr>
+          <p:cNvCxnSpPr>
+            <a:cxnSpLocks/>
+          </p:cNvCxnSpPr>
+          <p:nvPr/>
+        </p:nvCxnSpPr>
+        <p:spPr>
+          <a:xfrm flipV="1">
+            <a:off x="843148" y="847712"/>
+            <a:ext cx="4769087" cy="1"/>
+          </a:xfrm>
+          <a:prstGeom prst="line">
+            <a:avLst/>
+          </a:prstGeom>
+          <a:ln w="6350">
+            <a:solidFill>
+              <a:srgbClr val="FF7876"/>
+            </a:solidFill>
+            <a:prstDash val="sysDash"/>
+            <a:tailEnd type="oval"/>
+          </a:ln>
+        </p:spPr>
+        <p:style>
+          <a:lnRef idx="1">
+            <a:schemeClr val="accent1"/>
+          </a:lnRef>
+          <a:fillRef idx="0">
+            <a:schemeClr val="accent1"/>
+          </a:fillRef>
+          <a:effectRef idx="0">
+            <a:schemeClr val="accent1"/>
+          </a:effectRef>
+          <a:fontRef idx="minor">
+            <a:schemeClr val="tx1"/>
+          </a:fontRef>
+        </p:style>
+      </p:cxnSp>
+      <p:cxnSp>
+        <p:nvCxnSpPr>
+          <p:cNvPr id="39" name="직선 연결선 38">
+            <a:extLst>
+              <a:ext uri="{FF2B5EF4-FFF2-40B4-BE49-F238E27FC236}">
+                <a16:creationId xmlns:a16="http://schemas.microsoft.com/office/drawing/2014/main" id="{55EBD739-0979-4546-8E6B-9CA8052FC540}"/>
+              </a:ext>
+            </a:extLst>
+          </p:cNvPr>
+          <p:cNvCxnSpPr>
+            <a:cxnSpLocks/>
+          </p:cNvCxnSpPr>
+          <p:nvPr/>
+        </p:nvCxnSpPr>
+        <p:spPr>
+          <a:xfrm flipH="1">
+            <a:off x="6579767" y="847712"/>
+            <a:ext cx="4692810" cy="0"/>
+          </a:xfrm>
+          <a:prstGeom prst="line">
+            <a:avLst/>
+          </a:prstGeom>
+          <a:ln w="6350">
+            <a:solidFill>
+              <a:srgbClr val="FF7876"/>
+            </a:solidFill>
+            <a:prstDash val="sysDash"/>
+            <a:tailEnd type="oval"/>
+          </a:ln>
+        </p:spPr>
+        <p:style>
+          <a:lnRef idx="1">
+            <a:schemeClr val="accent1"/>
+          </a:lnRef>
+          <a:fillRef idx="0">
+            <a:schemeClr val="accent1"/>
+          </a:fillRef>
+          <a:effectRef idx="0">
+            <a:schemeClr val="accent1"/>
+          </a:effectRef>
+          <a:fontRef idx="minor">
+            <a:schemeClr val="tx1"/>
+          </a:fontRef>
+        </p:style>
+      </p:cxnSp>
+      <p:sp>
+        <p:nvSpPr>
+          <p:cNvPr id="8" name="TextBox 7">
+            <a:extLst>
+              <a:ext uri="{FF2B5EF4-FFF2-40B4-BE49-F238E27FC236}">
+                <a16:creationId xmlns:a16="http://schemas.microsoft.com/office/drawing/2014/main" id="{C18154B9-4F65-4277-8C17-63D9702FC25F}"/>
+              </a:ext>
+            </a:extLst>
+          </p:cNvPr>
+          <p:cNvSpPr txBox="1"/>
+          <p:nvPr/>
+        </p:nvSpPr>
+        <p:spPr>
+          <a:xfrm>
+            <a:off x="765146" y="963122"/>
+            <a:ext cx="10507430" cy="261610"/>
+          </a:xfrm>
+          <a:prstGeom prst="rect">
+            <a:avLst/>
+          </a:prstGeom>
+          <a:noFill/>
+        </p:spPr>
+        <p:txBody>
+          <a:bodyPr wrap="square" rtlCol="0">
+            <a:spAutoFit/>
+          </a:bodyPr>
+          <a:lstStyle/>
+          <a:p>
+            <a:pPr algn="ctr"/>
+            <a:r>
+              <a:rPr lang="ko-Kore-KR" altLang="en-US" sz="1100" i="1" dirty="0">
+                <a:solidFill>
+                  <a:srgbClr val="FF7876"/>
+                </a:solidFill>
+              </a:rPr>
+              <a:t>임의 프로그램 </a:t>
+            </a:r>
+            <a:r>
+              <a:rPr lang="en-US" altLang="ko-Kore-KR" sz="1100" i="1" dirty="0">
+                <a:solidFill>
+                  <a:srgbClr val="FF7876"/>
+                </a:solidFill>
+              </a:rPr>
+              <a:t>– </a:t>
+            </a:r>
+            <a:r>
+              <a:rPr lang="ko-Kore-KR" altLang="en-US" sz="1100" i="1" dirty="0">
+                <a:solidFill>
+                  <a:srgbClr val="FF7876"/>
+                </a:solidFill>
+              </a:rPr>
+              <a:t>최종결과</a:t>
+            </a:r>
+            <a:endParaRPr lang="en-US" altLang="ko-KR" sz="1100" i="1" dirty="0">
+              <a:solidFill>
+                <a:srgbClr val="FF7876"/>
+              </a:solidFill>
+            </a:endParaRPr>
+          </a:p>
+        </p:txBody>
+      </p:sp>
+      <p:sp>
+        <p:nvSpPr>
+          <p:cNvPr id="44" name="TextBox 43">
+            <a:extLst>
+              <a:ext uri="{FF2B5EF4-FFF2-40B4-BE49-F238E27FC236}">
+                <a16:creationId xmlns:a16="http://schemas.microsoft.com/office/drawing/2014/main" id="{FFAFEF72-DA94-0C4C-A7C0-3C5BFDFFBAAF}"/>
+              </a:ext>
+            </a:extLst>
+          </p:cNvPr>
+          <p:cNvSpPr txBox="1"/>
+          <p:nvPr/>
+        </p:nvSpPr>
+        <p:spPr>
+          <a:xfrm>
+            <a:off x="3339309" y="5240847"/>
+            <a:ext cx="5513379" cy="769441"/>
+          </a:xfrm>
+          <a:prstGeom prst="rect">
+            <a:avLst/>
+          </a:prstGeom>
+          <a:noFill/>
+          <a:ln w="12700">
+            <a:solidFill>
+              <a:srgbClr val="FF7876"/>
+            </a:solidFill>
+          </a:ln>
+        </p:spPr>
+        <p:txBody>
+          <a:bodyPr wrap="square" rtlCol="0">
+            <a:spAutoFit/>
+          </a:bodyPr>
+          <a:lstStyle/>
+          <a:p>
+            <a:pPr algn="ctr"/>
+            <a:r>
+              <a:rPr lang="ko-Kore-KR" altLang="en-US" sz="1100" dirty="0"/>
+              <a:t>렌더링된 </a:t>
+            </a:r>
+            <a:r>
+              <a:rPr lang="en-US" altLang="ko-Kore-KR" sz="1100" dirty="0"/>
+              <a:t>show</a:t>
+            </a:r>
+            <a:r>
+              <a:rPr lang="ko-Kore-KR" altLang="en-US" sz="1100" dirty="0"/>
+              <a:t>페이지 입니다</a:t>
+            </a:r>
+            <a:r>
+              <a:rPr lang="en-US" altLang="ko-Kore-KR" sz="1100" dirty="0"/>
+              <a:t>.</a:t>
+            </a:r>
+          </a:p>
+          <a:p>
+            <a:pPr algn="ctr"/>
+            <a:r>
+              <a:rPr lang="ko-Kore-KR" altLang="en-US" sz="1100" dirty="0"/>
+              <a:t>입력받은 값이 정상적으로 넘어와 적용된것과</a:t>
+            </a:r>
+            <a:endParaRPr lang="en-US" altLang="ko-Kore-KR" sz="1100" dirty="0"/>
+          </a:p>
+          <a:p>
+            <a:pPr algn="ctr"/>
+            <a:r>
+              <a:rPr lang="ko-Kore-KR" altLang="en-US" sz="1100" dirty="0"/>
+              <a:t>크롤링에 성공과 실패 여부에 맞게 정상적으로 출력되는 것을 </a:t>
+            </a:r>
+            <a:endParaRPr lang="en-US" altLang="ko-Kore-KR" sz="1100" dirty="0"/>
+          </a:p>
+          <a:p>
+            <a:pPr algn="ctr"/>
+            <a:r>
+              <a:rPr lang="ko-Kore-KR" altLang="en-US" sz="1100" dirty="0"/>
+              <a:t>볼 수 있습니다</a:t>
+            </a:r>
+            <a:r>
+              <a:rPr lang="en-US" altLang="ko-Kore-KR" sz="1100" dirty="0"/>
+              <a:t>.</a:t>
+            </a:r>
+          </a:p>
+        </p:txBody>
+      </p:sp>
+      <p:pic>
+        <p:nvPicPr>
+          <p:cNvPr id="4" name="그림 3">
+            <a:extLst>
+              <a:ext uri="{FF2B5EF4-FFF2-40B4-BE49-F238E27FC236}">
+                <a16:creationId xmlns:a16="http://schemas.microsoft.com/office/drawing/2014/main" id="{3B3D1B27-7C58-2E46-9B5E-B6C9F678B168}"/>
+              </a:ext>
+            </a:extLst>
+          </p:cNvPr>
+          <p:cNvPicPr>
+            <a:picLocks noChangeAspect="1"/>
+          </p:cNvPicPr>
+          <p:nvPr/>
+        </p:nvPicPr>
+        <p:blipFill>
+          <a:blip r:embed="rId2"/>
+          <a:stretch>
+            <a:fillRect/>
+          </a:stretch>
+        </p:blipFill>
+        <p:spPr>
+          <a:xfrm>
+            <a:off x="96006" y="1363231"/>
+            <a:ext cx="5995772" cy="3443438"/>
+          </a:xfrm>
+          <a:prstGeom prst="rect">
+            <a:avLst/>
+          </a:prstGeom>
+        </p:spPr>
+      </p:pic>
+      <p:pic>
+        <p:nvPicPr>
+          <p:cNvPr id="5" name="그림 4">
+            <a:extLst>
+              <a:ext uri="{FF2B5EF4-FFF2-40B4-BE49-F238E27FC236}">
+                <a16:creationId xmlns:a16="http://schemas.microsoft.com/office/drawing/2014/main" id="{4BA4A425-05D8-994F-A4F9-D84D4128B336}"/>
+              </a:ext>
+            </a:extLst>
+          </p:cNvPr>
+          <p:cNvPicPr>
+            <a:picLocks noChangeAspect="1"/>
+          </p:cNvPicPr>
+          <p:nvPr/>
+        </p:nvPicPr>
+        <p:blipFill>
+          <a:blip r:embed="rId3"/>
+          <a:stretch>
+            <a:fillRect/>
+          </a:stretch>
+        </p:blipFill>
+        <p:spPr>
+          <a:xfrm>
+            <a:off x="3835624" y="2040423"/>
+            <a:ext cx="1942519" cy="758871"/>
+          </a:xfrm>
+          <a:prstGeom prst="rect">
+            <a:avLst/>
+          </a:prstGeom>
+          <a:ln w="12700">
+            <a:solidFill>
+              <a:srgbClr val="FF7876"/>
+            </a:solidFill>
+          </a:ln>
+        </p:spPr>
+      </p:pic>
+      <p:pic>
+        <p:nvPicPr>
+          <p:cNvPr id="6" name="그림 5">
+            <a:extLst>
+              <a:ext uri="{FF2B5EF4-FFF2-40B4-BE49-F238E27FC236}">
+                <a16:creationId xmlns:a16="http://schemas.microsoft.com/office/drawing/2014/main" id="{40663615-7E9E-384E-A49F-EF00976BAEF5}"/>
+              </a:ext>
+            </a:extLst>
+          </p:cNvPr>
+          <p:cNvPicPr>
+            <a:picLocks noChangeAspect="1"/>
+          </p:cNvPicPr>
+          <p:nvPr/>
+        </p:nvPicPr>
+        <p:blipFill>
+          <a:blip r:embed="rId4"/>
+          <a:stretch>
+            <a:fillRect/>
+          </a:stretch>
+        </p:blipFill>
+        <p:spPr>
+          <a:xfrm>
+            <a:off x="6091778" y="1363231"/>
+            <a:ext cx="5995772" cy="3443438"/>
+          </a:xfrm>
+          <a:prstGeom prst="rect">
+            <a:avLst/>
+          </a:prstGeom>
+        </p:spPr>
+      </p:pic>
+      <p:pic>
+        <p:nvPicPr>
+          <p:cNvPr id="7" name="그림 6">
+            <a:extLst>
+              <a:ext uri="{FF2B5EF4-FFF2-40B4-BE49-F238E27FC236}">
+                <a16:creationId xmlns:a16="http://schemas.microsoft.com/office/drawing/2014/main" id="{2CF74E4C-2AF5-2248-8D39-F56F155B6B1A}"/>
+              </a:ext>
+            </a:extLst>
+          </p:cNvPr>
+          <p:cNvPicPr>
+            <a:picLocks noChangeAspect="1"/>
+          </p:cNvPicPr>
+          <p:nvPr/>
+        </p:nvPicPr>
+        <p:blipFill>
+          <a:blip r:embed="rId5"/>
+          <a:stretch>
+            <a:fillRect/>
+          </a:stretch>
+        </p:blipFill>
+        <p:spPr>
+          <a:xfrm>
+            <a:off x="9831396" y="2092277"/>
+            <a:ext cx="1942519" cy="760329"/>
+          </a:xfrm>
+          <a:prstGeom prst="rect">
+            <a:avLst/>
+          </a:prstGeom>
+          <a:ln w="12700">
+            <a:solidFill>
+              <a:srgbClr val="FF7876"/>
+            </a:solidFill>
+          </a:ln>
+        </p:spPr>
+      </p:pic>
+      <p:cxnSp>
+        <p:nvCxnSpPr>
+          <p:cNvPr id="14" name="직선 화살표 연결선 13">
+            <a:extLst>
+              <a:ext uri="{FF2B5EF4-FFF2-40B4-BE49-F238E27FC236}">
+                <a16:creationId xmlns:a16="http://schemas.microsoft.com/office/drawing/2014/main" id="{9FB15F60-6216-5C48-8386-F690FCAA4A1F}"/>
+              </a:ext>
+            </a:extLst>
+          </p:cNvPr>
+          <p:cNvCxnSpPr>
+            <a:cxnSpLocks/>
+          </p:cNvCxnSpPr>
+          <p:nvPr/>
+        </p:nvCxnSpPr>
+        <p:spPr>
+          <a:xfrm flipH="1" flipV="1">
+            <a:off x="3339309" y="1893536"/>
+            <a:ext cx="496315" cy="328115"/>
+          </a:xfrm>
+          <a:prstGeom prst="straightConnector1">
+            <a:avLst/>
+          </a:prstGeom>
+          <a:ln w="12700">
+            <a:solidFill>
+              <a:srgbClr val="FF7876"/>
+            </a:solidFill>
+            <a:tailEnd type="triangle"/>
+          </a:ln>
+        </p:spPr>
+        <p:style>
+          <a:lnRef idx="1">
+            <a:schemeClr val="accent1"/>
+          </a:lnRef>
+          <a:fillRef idx="0">
+            <a:schemeClr val="accent1"/>
+          </a:fillRef>
+          <a:effectRef idx="0">
+            <a:schemeClr val="accent1"/>
+          </a:effectRef>
+          <a:fontRef idx="minor">
+            <a:schemeClr val="tx1"/>
+          </a:fontRef>
+        </p:style>
+      </p:cxnSp>
+      <p:cxnSp>
+        <p:nvCxnSpPr>
+          <p:cNvPr id="16" name="직선 화살표 연결선 15">
+            <a:extLst>
+              <a:ext uri="{FF2B5EF4-FFF2-40B4-BE49-F238E27FC236}">
+                <a16:creationId xmlns:a16="http://schemas.microsoft.com/office/drawing/2014/main" id="{B3977BA0-7DD8-F64E-83D1-209CA5781F7A}"/>
+              </a:ext>
+            </a:extLst>
+          </p:cNvPr>
+          <p:cNvCxnSpPr>
+            <a:cxnSpLocks/>
+          </p:cNvCxnSpPr>
+          <p:nvPr/>
+        </p:nvCxnSpPr>
+        <p:spPr>
+          <a:xfrm flipH="1" flipV="1">
+            <a:off x="9335081" y="1928220"/>
+            <a:ext cx="496315" cy="328115"/>
+          </a:xfrm>
+          <a:prstGeom prst="straightConnector1">
+            <a:avLst/>
+          </a:prstGeom>
+          <a:ln w="12700">
+            <a:solidFill>
+              <a:srgbClr val="FF7876"/>
+            </a:solidFill>
+            <a:tailEnd type="triangle"/>
+          </a:ln>
+        </p:spPr>
+        <p:style>
+          <a:lnRef idx="1">
+            <a:schemeClr val="accent1"/>
+          </a:lnRef>
+          <a:fillRef idx="0">
+            <a:schemeClr val="accent1"/>
+          </a:fillRef>
+          <a:effectRef idx="0">
+            <a:schemeClr val="accent1"/>
+          </a:effectRef>
+          <a:fontRef idx="minor">
+            <a:schemeClr val="tx1"/>
+          </a:fontRef>
+        </p:style>
+      </p:cxnSp>
+    </p:spTree>
+    <p:extLst>
+      <p:ext uri="{BB962C8B-B14F-4D97-AF65-F5344CB8AC3E}">
+        <p14:creationId xmlns:p14="http://schemas.microsoft.com/office/powerpoint/2010/main" val="1522112179"/>
+      </p:ext>
+    </p:extLst>
+  </p:cSld>
+  <p:clrMapOvr>
+    <a:masterClrMapping/>
+  </p:clrMapOvr>
+</p:sld>
+</file>
+
+<file path=ppt/slides/slide15.xml><?xml version="1.0" encoding="utf-8"?>
+<p:sld xmlns:a="http://schemas.openxmlformats.org/drawingml/2006/main" xmlns:r="http://schemas.openxmlformats.org/officeDocument/2006/relationships" xmlns:p="http://schemas.openxmlformats.org/presentationml/2006/main">
+  <p:cSld>
+    <p:spTree>
+      <p:nvGrpSpPr>
+        <p:cNvPr id="1" name=""/>
+        <p:cNvGrpSpPr/>
+        <p:nvPr/>
+      </p:nvGrpSpPr>
+      <p:grpSpPr>
+        <a:xfrm>
+          <a:off x="0" y="0"/>
+          <a:ext cx="0" cy="0"/>
+          <a:chOff x="0" y="0"/>
+          <a:chExt cx="0" cy="0"/>
+        </a:xfrm>
+      </p:grpSpPr>
+      <p:sp>
+        <p:nvSpPr>
+          <p:cNvPr id="105" name="직사각형 104">
+            <a:extLst>
+              <a:ext uri="{FF2B5EF4-FFF2-40B4-BE49-F238E27FC236}">
+                <a16:creationId xmlns:a16="http://schemas.microsoft.com/office/drawing/2014/main" id="{92F4E01E-679C-4D6B-8449-8DB2AF7B7D34}"/>
+              </a:ext>
+            </a:extLst>
+          </p:cNvPr>
+          <p:cNvSpPr/>
+          <p:nvPr/>
+        </p:nvSpPr>
+        <p:spPr>
+          <a:xfrm>
+            <a:off x="3739117" y="3003678"/>
+            <a:ext cx="4713765" cy="1032077"/>
+          </a:xfrm>
+          <a:prstGeom prst="rect">
+            <a:avLst/>
+          </a:prstGeom>
+        </p:spPr>
+        <p:txBody>
+          <a:bodyPr wrap="square">
+            <a:spAutoFit/>
+          </a:bodyPr>
+          <a:lstStyle/>
+          <a:p>
+            <a:pPr algn="ctr" latinLnBrk="0">
+              <a:lnSpc>
+                <a:spcPct val="150000"/>
+              </a:lnSpc>
+              <a:defRPr/>
+            </a:pPr>
+            <a:r>
+              <a:rPr lang="ko-KR" altLang="en-US" sz="3200" b="1" i="1" kern="0">
+                <a:solidFill>
+                  <a:srgbClr val="FF7876"/>
+                </a:solidFill>
+              </a:rPr>
+              <a:t>감사합니다</a:t>
+            </a:r>
+            <a:r>
+              <a:rPr lang="en-US" altLang="ko-KR" sz="3200" b="1" i="1" kern="0">
+                <a:solidFill>
+                  <a:prstClr val="black">
+                    <a:lumMod val="75000"/>
+                    <a:lumOff val="25000"/>
+                  </a:prstClr>
+                </a:solidFill>
+              </a:rPr>
+              <a:t> </a:t>
+            </a:r>
+            <a:endParaRPr lang="en-US" altLang="ko-KR" sz="3200" b="1" i="1" kern="0" dirty="0">
+              <a:solidFill>
+                <a:prstClr val="black">
+                  <a:lumMod val="75000"/>
+                  <a:lumOff val="25000"/>
+                </a:prstClr>
+              </a:solidFill>
+            </a:endParaRPr>
+          </a:p>
+          <a:p>
+            <a:pPr algn="ctr" latinLnBrk="0">
+              <a:lnSpc>
+                <a:spcPct val="150000"/>
+              </a:lnSpc>
+              <a:defRPr/>
+            </a:pPr>
+            <a:r>
+              <a:rPr lang="en-US" altLang="ko-KR" sz="900" kern="0" dirty="0">
+                <a:solidFill>
+                  <a:prstClr val="black">
+                    <a:lumMod val="75000"/>
+                    <a:lumOff val="25000"/>
+                  </a:prstClr>
+                </a:solidFill>
+              </a:rPr>
+              <a:t>20164091 </a:t>
+            </a:r>
+            <a:r>
+              <a:rPr lang="ko-KR" altLang="en-US" sz="900" kern="0" dirty="0">
+                <a:solidFill>
+                  <a:prstClr val="black">
+                    <a:lumMod val="75000"/>
+                    <a:lumOff val="25000"/>
+                  </a:prstClr>
+                </a:solidFill>
+              </a:rPr>
+              <a:t>송희령</a:t>
+            </a:r>
+            <a:endParaRPr lang="en-US" altLang="ko-KR" sz="900" kern="0" dirty="0">
+              <a:solidFill>
+                <a:prstClr val="black">
+                  <a:lumMod val="75000"/>
+                  <a:lumOff val="25000"/>
+                </a:prstClr>
+              </a:solidFill>
+            </a:endParaRPr>
+          </a:p>
+        </p:txBody>
+      </p:sp>
+      <p:cxnSp>
+        <p:nvCxnSpPr>
+          <p:cNvPr id="25" name="직선 연결선 24">
+            <a:extLst>
+              <a:ext uri="{FF2B5EF4-FFF2-40B4-BE49-F238E27FC236}">
+                <a16:creationId xmlns:a16="http://schemas.microsoft.com/office/drawing/2014/main" id="{5C950320-1D5A-4C58-BB46-CEBCD7EA92EE}"/>
+              </a:ext>
+            </a:extLst>
+          </p:cNvPr>
+          <p:cNvCxnSpPr>
+            <a:cxnSpLocks/>
+          </p:cNvCxnSpPr>
+          <p:nvPr/>
+        </p:nvCxnSpPr>
+        <p:spPr>
+          <a:xfrm flipV="1">
+            <a:off x="859926" y="3518678"/>
+            <a:ext cx="3747936" cy="519"/>
+          </a:xfrm>
+          <a:prstGeom prst="line">
+            <a:avLst/>
+          </a:prstGeom>
+          <a:ln w="6350">
+            <a:solidFill>
+              <a:srgbClr val="FF7876"/>
+            </a:solidFill>
+            <a:prstDash val="sysDash"/>
+            <a:tailEnd type="oval"/>
+          </a:ln>
+        </p:spPr>
+        <p:style>
+          <a:lnRef idx="1">
+            <a:schemeClr val="accent1"/>
+          </a:lnRef>
+          <a:fillRef idx="0">
+            <a:schemeClr val="accent1"/>
+          </a:fillRef>
+          <a:effectRef idx="0">
+            <a:schemeClr val="accent1"/>
+          </a:effectRef>
+          <a:fontRef idx="minor">
+            <a:schemeClr val="tx1"/>
+          </a:fontRef>
+        </p:style>
+      </p:cxnSp>
+      <p:cxnSp>
+        <p:nvCxnSpPr>
+          <p:cNvPr id="26" name="직선 연결선 25">
+            <a:extLst>
+              <a:ext uri="{FF2B5EF4-FFF2-40B4-BE49-F238E27FC236}">
+                <a16:creationId xmlns:a16="http://schemas.microsoft.com/office/drawing/2014/main" id="{4BADCF3C-651C-44CD-8DEE-E875CC3C1444}"/>
+              </a:ext>
+            </a:extLst>
+          </p:cNvPr>
+          <p:cNvCxnSpPr>
+            <a:cxnSpLocks/>
+          </p:cNvCxnSpPr>
+          <p:nvPr/>
+        </p:nvCxnSpPr>
+        <p:spPr>
+          <a:xfrm flipH="1">
+            <a:off x="7584140" y="3519196"/>
+            <a:ext cx="3688436" cy="0"/>
+          </a:xfrm>
+          <a:prstGeom prst="line">
+            <a:avLst/>
+          </a:prstGeom>
+          <a:ln w="6350">
+            <a:solidFill>
+              <a:srgbClr val="FF7876"/>
+            </a:solidFill>
+            <a:prstDash val="sysDash"/>
+            <a:tailEnd type="oval"/>
+          </a:ln>
+        </p:spPr>
+        <p:style>
+          <a:lnRef idx="1">
+            <a:schemeClr val="accent1"/>
+          </a:lnRef>
+          <a:fillRef idx="0">
+            <a:schemeClr val="accent1"/>
+          </a:fillRef>
+          <a:effectRef idx="0">
+            <a:schemeClr val="accent1"/>
+          </a:effectRef>
+          <a:fontRef idx="minor">
+            <a:schemeClr val="tx1"/>
+          </a:fontRef>
+        </p:style>
+      </p:cxnSp>
+    </p:spTree>
+    <p:extLst>
+      <p:ext uri="{BB962C8B-B14F-4D97-AF65-F5344CB8AC3E}">
+        <p14:creationId xmlns:p14="http://schemas.microsoft.com/office/powerpoint/2010/main" val="1066393970"/>
+      </p:ext>
+    </p:extLst>
+  </p:cSld>
+  <p:clrMapOvr>
+    <a:masterClrMapping/>
+  </p:clrMapOvr>
+</p:sld>
+</file>
+
 <file path=ppt/slides/slide2.xml><?xml version="1.0" encoding="utf-8"?>
 <p:sld xmlns:a="http://schemas.openxmlformats.org/drawingml/2006/main" xmlns:r="http://schemas.openxmlformats.org/officeDocument/2006/relationships" xmlns:p="http://schemas.openxmlformats.org/presentationml/2006/main">
   <p:cSld>
@@ -8723,10 +12436,10 @@
       </p:grpSpPr>
       <p:sp>
         <p:nvSpPr>
-          <p:cNvPr id="105" name="직사각형 104">
-            <a:extLst>
-              <a:ext uri="{FF2B5EF4-FFF2-40B4-BE49-F238E27FC236}">
-                <a16:creationId xmlns:a16="http://schemas.microsoft.com/office/drawing/2014/main" id="{92F4E01E-679C-4D6B-8449-8DB2AF7B7D34}"/>
+          <p:cNvPr id="37" name="직사각형 36">
+            <a:extLst>
+              <a:ext uri="{FF2B5EF4-FFF2-40B4-BE49-F238E27FC236}">
+                <a16:creationId xmlns:a16="http://schemas.microsoft.com/office/drawing/2014/main" id="{3F15C60C-17FE-422D-AFCF-73C75A021362}"/>
               </a:ext>
             </a:extLst>
           </p:cNvPr>
@@ -8735,8 +12448,8 @@
         </p:nvSpPr>
         <p:spPr>
           <a:xfrm>
-            <a:off x="3739117" y="3003678"/>
-            <a:ext cx="4713765" cy="1032077"/>
+            <a:off x="3697172" y="332194"/>
+            <a:ext cx="4713765" cy="735842"/>
           </a:xfrm>
           <a:prstGeom prst="rect">
             <a:avLst/>
@@ -8755,79 +12468,22 @@
               <a:defRPr/>
             </a:pPr>
             <a:r>
-              <a:rPr lang="ko-KR" altLang="en-US" sz="3200" b="1" i="1" kern="0">
+              <a:rPr lang="en-US" altLang="ko-KR" sz="3200" b="1" i="1" kern="0" dirty="0">
                 <a:solidFill>
                   <a:srgbClr val="FF7876"/>
                 </a:solidFill>
               </a:rPr>
-              <a:t>감사합니다</a:t>
-            </a:r>
-            <a:r>
-              <a:rPr lang="en-US" altLang="ko-KR" sz="3200" b="1" i="1" kern="0">
-                <a:solidFill>
-                  <a:prstClr val="black">
-                    <a:lumMod val="75000"/>
-                    <a:lumOff val="25000"/>
-                  </a:prstClr>
-                </a:solidFill>
-              </a:rPr>
-              <a:t> </a:t>
-            </a:r>
-            <a:endParaRPr lang="en-US" altLang="ko-KR" sz="3200" b="1" i="1" kern="0" dirty="0">
-              <a:solidFill>
-                <a:prstClr val="black">
-                  <a:lumMod val="75000"/>
-                  <a:lumOff val="25000"/>
-                </a:prstClr>
-              </a:solidFill>
-            </a:endParaRPr>
-          </a:p>
-          <a:p>
-            <a:pPr algn="ctr" latinLnBrk="0">
-              <a:lnSpc>
-                <a:spcPct val="150000"/>
-              </a:lnSpc>
-              <a:defRPr/>
-            </a:pPr>
-            <a:r>
-              <a:rPr lang="en-US" altLang="ko-KR" sz="900" kern="0" dirty="0">
-                <a:solidFill>
-                  <a:prstClr val="black">
-                    <a:lumMod val="75000"/>
-                    <a:lumOff val="25000"/>
-                  </a:prstClr>
-                </a:solidFill>
-              </a:rPr>
-              <a:t>20164091 </a:t>
-            </a:r>
-            <a:r>
-              <a:rPr lang="ko-KR" altLang="en-US" sz="900" kern="0" dirty="0">
-                <a:solidFill>
-                  <a:prstClr val="black">
-                    <a:lumMod val="75000"/>
-                    <a:lumOff val="25000"/>
-                  </a:prstClr>
-                </a:solidFill>
-              </a:rPr>
-              <a:t>송희령</a:t>
-            </a:r>
-            <a:endParaRPr lang="en-US" altLang="ko-KR" sz="900" kern="0" dirty="0">
-              <a:solidFill>
-                <a:prstClr val="black">
-                  <a:lumMod val="75000"/>
-                  <a:lumOff val="25000"/>
-                </a:prstClr>
-              </a:solidFill>
-            </a:endParaRPr>
+              <a:t>3</a:t>
+            </a:r>
           </a:p>
         </p:txBody>
       </p:sp>
       <p:cxnSp>
         <p:nvCxnSpPr>
-          <p:cNvPr id="25" name="직선 연결선 24">
-            <a:extLst>
-              <a:ext uri="{FF2B5EF4-FFF2-40B4-BE49-F238E27FC236}">
-                <a16:creationId xmlns:a16="http://schemas.microsoft.com/office/drawing/2014/main" id="{5C950320-1D5A-4C58-BB46-CEBCD7EA92EE}"/>
+          <p:cNvPr id="38" name="직선 연결선 37">
+            <a:extLst>
+              <a:ext uri="{FF2B5EF4-FFF2-40B4-BE49-F238E27FC236}">
+                <a16:creationId xmlns:a16="http://schemas.microsoft.com/office/drawing/2014/main" id="{940134F4-F272-426A-B50B-8075427DF501}"/>
               </a:ext>
             </a:extLst>
           </p:cNvPr>
@@ -8838,8 +12494,8 @@
         </p:nvCxnSpPr>
         <p:spPr>
           <a:xfrm flipV="1">
-            <a:off x="859926" y="3518678"/>
-            <a:ext cx="3747936" cy="519"/>
+            <a:off x="843148" y="847712"/>
+            <a:ext cx="4769087" cy="1"/>
           </a:xfrm>
           <a:prstGeom prst="line">
             <a:avLst/>
@@ -8869,10 +12525,10 @@
       </p:cxnSp>
       <p:cxnSp>
         <p:nvCxnSpPr>
-          <p:cNvPr id="26" name="직선 연결선 25">
-            <a:extLst>
-              <a:ext uri="{FF2B5EF4-FFF2-40B4-BE49-F238E27FC236}">
-                <a16:creationId xmlns:a16="http://schemas.microsoft.com/office/drawing/2014/main" id="{4BADCF3C-651C-44CD-8DEE-E875CC3C1444}"/>
+          <p:cNvPr id="39" name="직선 연결선 38">
+            <a:extLst>
+              <a:ext uri="{FF2B5EF4-FFF2-40B4-BE49-F238E27FC236}">
+                <a16:creationId xmlns:a16="http://schemas.microsoft.com/office/drawing/2014/main" id="{55EBD739-0979-4546-8E6B-9CA8052FC540}"/>
               </a:ext>
             </a:extLst>
           </p:cNvPr>
@@ -8883,8 +12539,8 @@
         </p:nvCxnSpPr>
         <p:spPr>
           <a:xfrm flipH="1">
-            <a:off x="7584140" y="3519196"/>
-            <a:ext cx="3688436" cy="0"/>
+            <a:off x="6579767" y="847712"/>
+            <a:ext cx="4692810" cy="0"/>
           </a:xfrm>
           <a:prstGeom prst="line">
             <a:avLst/>
@@ -8912,10 +12568,1217 @@
           </a:fontRef>
         </p:style>
       </p:cxnSp>
+      <p:sp>
+        <p:nvSpPr>
+          <p:cNvPr id="8" name="TextBox 7">
+            <a:extLst>
+              <a:ext uri="{FF2B5EF4-FFF2-40B4-BE49-F238E27FC236}">
+                <a16:creationId xmlns:a16="http://schemas.microsoft.com/office/drawing/2014/main" id="{C18154B9-4F65-4277-8C17-63D9702FC25F}"/>
+              </a:ext>
+            </a:extLst>
+          </p:cNvPr>
+          <p:cNvSpPr txBox="1"/>
+          <p:nvPr/>
+        </p:nvSpPr>
+        <p:spPr>
+          <a:xfrm>
+            <a:off x="765146" y="963122"/>
+            <a:ext cx="10507430" cy="261610"/>
+          </a:xfrm>
+          <a:prstGeom prst="rect">
+            <a:avLst/>
+          </a:prstGeom>
+          <a:noFill/>
+        </p:spPr>
+        <p:txBody>
+          <a:bodyPr wrap="square" rtlCol="0">
+            <a:spAutoFit/>
+          </a:bodyPr>
+          <a:lstStyle/>
+          <a:p>
+            <a:pPr algn="ctr"/>
+            <a:r>
+              <a:rPr lang="ko-Kore-KR" altLang="en-US" sz="1100" i="1" dirty="0">
+                <a:solidFill>
+                  <a:srgbClr val="FF7876"/>
+                </a:solidFill>
+              </a:rPr>
+              <a:t>임의 프로그램 </a:t>
+            </a:r>
+            <a:r>
+              <a:rPr lang="en-US" altLang="ko-Kore-KR" sz="1100" i="1" dirty="0">
+                <a:solidFill>
+                  <a:srgbClr val="FF7876"/>
+                </a:solidFill>
+              </a:rPr>
+              <a:t>– </a:t>
+            </a:r>
+            <a:r>
+              <a:rPr lang="ko-Kore-KR" altLang="en-US" sz="1100" i="1" dirty="0">
+                <a:solidFill>
+                  <a:srgbClr val="FF7876"/>
+                </a:solidFill>
+              </a:rPr>
+              <a:t>오늘의 운세 정보</a:t>
+            </a:r>
+            <a:endParaRPr lang="en-US" altLang="ko-KR" sz="1100" i="1" dirty="0">
+              <a:solidFill>
+                <a:srgbClr val="FF7876"/>
+              </a:solidFill>
+            </a:endParaRPr>
+          </a:p>
+        </p:txBody>
+      </p:sp>
+      <p:sp>
+        <p:nvSpPr>
+          <p:cNvPr id="29" name="TextBox 28">
+            <a:extLst>
+              <a:ext uri="{FF2B5EF4-FFF2-40B4-BE49-F238E27FC236}">
+                <a16:creationId xmlns:a16="http://schemas.microsoft.com/office/drawing/2014/main" id="{ED9687C0-1A44-2A4E-A8CE-59EEE9B7235E}"/>
+              </a:ext>
+            </a:extLst>
+          </p:cNvPr>
+          <p:cNvSpPr txBox="1"/>
+          <p:nvPr/>
+        </p:nvSpPr>
+        <p:spPr>
+          <a:xfrm>
+            <a:off x="6392708" y="1646183"/>
+            <a:ext cx="3871660" cy="430887"/>
+          </a:xfrm>
+          <a:prstGeom prst="rect">
+            <a:avLst/>
+          </a:prstGeom>
+          <a:noFill/>
+          <a:ln w="12700">
+            <a:solidFill>
+              <a:srgbClr val="FF7876"/>
+            </a:solidFill>
+          </a:ln>
+        </p:spPr>
+        <p:txBody>
+          <a:bodyPr wrap="square" rtlCol="0">
+            <a:spAutoFit/>
+          </a:bodyPr>
+          <a:lstStyle/>
+          <a:p>
+            <a:pPr algn="ctr"/>
+            <a:r>
+              <a:rPr lang="ko-Kore-KR" altLang="en-US" sz="1100" dirty="0"/>
+              <a:t>메인화면을 나타낼 부분입니다</a:t>
+            </a:r>
+            <a:r>
+              <a:rPr lang="en-US" altLang="ko-Kore-KR" sz="1100" dirty="0"/>
+              <a:t>.</a:t>
+            </a:r>
+          </a:p>
+          <a:p>
+            <a:pPr algn="ctr"/>
+            <a:r>
+              <a:rPr lang="en-US" altLang="ko-KR" sz="1100" dirty="0" err="1"/>
+              <a:t>main.html</a:t>
+            </a:r>
+            <a:r>
+              <a:rPr lang="ko-KR" altLang="en-US" sz="1100" dirty="0"/>
+              <a:t>을 렌더링하여 표현합니다</a:t>
+            </a:r>
+            <a:r>
+              <a:rPr lang="en-US" altLang="ko-KR" sz="1100" dirty="0"/>
+              <a:t>.</a:t>
+            </a:r>
+          </a:p>
+        </p:txBody>
+      </p:sp>
+      <p:pic>
+        <p:nvPicPr>
+          <p:cNvPr id="3" name="그림 2">
+            <a:extLst>
+              <a:ext uri="{FF2B5EF4-FFF2-40B4-BE49-F238E27FC236}">
+                <a16:creationId xmlns:a16="http://schemas.microsoft.com/office/drawing/2014/main" id="{BFC8906D-C3BA-6F43-A341-698E6894A9DE}"/>
+              </a:ext>
+            </a:extLst>
+          </p:cNvPr>
+          <p:cNvPicPr>
+            <a:picLocks noChangeAspect="1"/>
+          </p:cNvPicPr>
+          <p:nvPr/>
+        </p:nvPicPr>
+        <p:blipFill>
+          <a:blip r:embed="rId2"/>
+          <a:stretch>
+            <a:fillRect/>
+          </a:stretch>
+        </p:blipFill>
+        <p:spPr>
+          <a:xfrm>
+            <a:off x="133502" y="1383465"/>
+            <a:ext cx="6138247" cy="5352882"/>
+          </a:xfrm>
+          <a:prstGeom prst="rect">
+            <a:avLst/>
+          </a:prstGeom>
+        </p:spPr>
+      </p:pic>
+      <p:sp>
+        <p:nvSpPr>
+          <p:cNvPr id="12" name="오른쪽 중괄호[R] 11">
+            <a:extLst>
+              <a:ext uri="{FF2B5EF4-FFF2-40B4-BE49-F238E27FC236}">
+                <a16:creationId xmlns:a16="http://schemas.microsoft.com/office/drawing/2014/main" id="{CAECEC76-946D-1348-8A5E-EA132D8AF6E5}"/>
+              </a:ext>
+            </a:extLst>
+          </p:cNvPr>
+          <p:cNvSpPr/>
+          <p:nvPr/>
+        </p:nvSpPr>
+        <p:spPr>
+          <a:xfrm>
+            <a:off x="2393973" y="2201495"/>
+            <a:ext cx="241918" cy="386678"/>
+          </a:xfrm>
+          <a:prstGeom prst="rightBrace">
+            <a:avLst/>
+          </a:prstGeom>
+          <a:ln w="12700">
+            <a:solidFill>
+              <a:srgbClr val="FF7876"/>
+            </a:solidFill>
+          </a:ln>
+        </p:spPr>
+        <p:style>
+          <a:lnRef idx="1">
+            <a:schemeClr val="accent1"/>
+          </a:lnRef>
+          <a:fillRef idx="0">
+            <a:schemeClr val="accent1"/>
+          </a:fillRef>
+          <a:effectRef idx="0">
+            <a:schemeClr val="accent1"/>
+          </a:effectRef>
+          <a:fontRef idx="minor">
+            <a:schemeClr val="tx1"/>
+          </a:fontRef>
+        </p:style>
+        <p:txBody>
+          <a:bodyPr rtlCol="0" anchor="ctr"/>
+          <a:lstStyle/>
+          <a:p>
+            <a:pPr algn="ctr"/>
+            <a:endParaRPr kumimoji="1" lang="ko-Kore-KR" altLang="en-US" dirty="0"/>
+          </a:p>
+        </p:txBody>
+      </p:sp>
+      <p:cxnSp>
+        <p:nvCxnSpPr>
+          <p:cNvPr id="13" name="직선 화살표 연결선 12">
+            <a:extLst>
+              <a:ext uri="{FF2B5EF4-FFF2-40B4-BE49-F238E27FC236}">
+                <a16:creationId xmlns:a16="http://schemas.microsoft.com/office/drawing/2014/main" id="{BE94E599-973E-914A-8B2A-3309F81C2F68}"/>
+              </a:ext>
+            </a:extLst>
+          </p:cNvPr>
+          <p:cNvCxnSpPr>
+            <a:cxnSpLocks/>
+            <a:stCxn id="12" idx="1"/>
+          </p:cNvCxnSpPr>
+          <p:nvPr/>
+        </p:nvCxnSpPr>
+        <p:spPr>
+          <a:xfrm flipV="1">
+            <a:off x="2635891" y="2004802"/>
+            <a:ext cx="3756817" cy="390032"/>
+          </a:xfrm>
+          <a:prstGeom prst="straightConnector1">
+            <a:avLst/>
+          </a:prstGeom>
+          <a:ln w="12700">
+            <a:solidFill>
+              <a:srgbClr val="FF7876"/>
+            </a:solidFill>
+            <a:tailEnd type="triangle"/>
+          </a:ln>
+        </p:spPr>
+        <p:style>
+          <a:lnRef idx="1">
+            <a:schemeClr val="accent1"/>
+          </a:lnRef>
+          <a:fillRef idx="0">
+            <a:schemeClr val="accent1"/>
+          </a:fillRef>
+          <a:effectRef idx="0">
+            <a:schemeClr val="accent1"/>
+          </a:effectRef>
+          <a:fontRef idx="minor">
+            <a:schemeClr val="tx1"/>
+          </a:fontRef>
+        </p:style>
+      </p:cxnSp>
+      <p:sp>
+        <p:nvSpPr>
+          <p:cNvPr id="15" name="오른쪽 중괄호[R] 14">
+            <a:extLst>
+              <a:ext uri="{FF2B5EF4-FFF2-40B4-BE49-F238E27FC236}">
+                <a16:creationId xmlns:a16="http://schemas.microsoft.com/office/drawing/2014/main" id="{A6A7D4EC-C83E-F241-89FB-3D2BD194C0D4}"/>
+              </a:ext>
+            </a:extLst>
+          </p:cNvPr>
+          <p:cNvSpPr/>
+          <p:nvPr/>
+        </p:nvSpPr>
+        <p:spPr>
+          <a:xfrm>
+            <a:off x="2273014" y="2603079"/>
+            <a:ext cx="241918" cy="386678"/>
+          </a:xfrm>
+          <a:prstGeom prst="rightBrace">
+            <a:avLst/>
+          </a:prstGeom>
+          <a:ln w="12700">
+            <a:solidFill>
+              <a:srgbClr val="FF7876"/>
+            </a:solidFill>
+          </a:ln>
+        </p:spPr>
+        <p:style>
+          <a:lnRef idx="1">
+            <a:schemeClr val="accent1"/>
+          </a:lnRef>
+          <a:fillRef idx="0">
+            <a:schemeClr val="accent1"/>
+          </a:fillRef>
+          <a:effectRef idx="0">
+            <a:schemeClr val="accent1"/>
+          </a:effectRef>
+          <a:fontRef idx="minor">
+            <a:schemeClr val="tx1"/>
+          </a:fontRef>
+        </p:style>
+        <p:txBody>
+          <a:bodyPr rtlCol="0" anchor="ctr"/>
+          <a:lstStyle/>
+          <a:p>
+            <a:pPr algn="ctr"/>
+            <a:endParaRPr kumimoji="1" lang="ko-Kore-KR" altLang="en-US" dirty="0"/>
+          </a:p>
+        </p:txBody>
+      </p:sp>
+      <p:cxnSp>
+        <p:nvCxnSpPr>
+          <p:cNvPr id="16" name="직선 화살표 연결선 15">
+            <a:extLst>
+              <a:ext uri="{FF2B5EF4-FFF2-40B4-BE49-F238E27FC236}">
+                <a16:creationId xmlns:a16="http://schemas.microsoft.com/office/drawing/2014/main" id="{2E351042-5ABD-AF4F-B416-690B41217A9E}"/>
+              </a:ext>
+            </a:extLst>
+          </p:cNvPr>
+          <p:cNvCxnSpPr>
+            <a:cxnSpLocks/>
+          </p:cNvCxnSpPr>
+          <p:nvPr/>
+        </p:nvCxnSpPr>
+        <p:spPr>
+          <a:xfrm flipV="1">
+            <a:off x="2477679" y="2409740"/>
+            <a:ext cx="4020225" cy="388355"/>
+          </a:xfrm>
+          <a:prstGeom prst="straightConnector1">
+            <a:avLst/>
+          </a:prstGeom>
+          <a:ln w="12700">
+            <a:solidFill>
+              <a:srgbClr val="FF7876"/>
+            </a:solidFill>
+            <a:tailEnd type="triangle"/>
+          </a:ln>
+        </p:spPr>
+        <p:style>
+          <a:lnRef idx="1">
+            <a:schemeClr val="accent1"/>
+          </a:lnRef>
+          <a:fillRef idx="0">
+            <a:schemeClr val="accent1"/>
+          </a:fillRef>
+          <a:effectRef idx="0">
+            <a:schemeClr val="accent1"/>
+          </a:effectRef>
+          <a:fontRef idx="minor">
+            <a:schemeClr val="tx1"/>
+          </a:fontRef>
+        </p:style>
+      </p:cxnSp>
+      <p:sp>
+        <p:nvSpPr>
+          <p:cNvPr id="18" name="TextBox 17">
+            <a:extLst>
+              <a:ext uri="{FF2B5EF4-FFF2-40B4-BE49-F238E27FC236}">
+                <a16:creationId xmlns:a16="http://schemas.microsoft.com/office/drawing/2014/main" id="{0EB6DC75-6F30-2E47-A98E-B122E3BFFE3C}"/>
+              </a:ext>
+            </a:extLst>
+          </p:cNvPr>
+          <p:cNvSpPr txBox="1"/>
+          <p:nvPr/>
+        </p:nvSpPr>
+        <p:spPr>
+          <a:xfrm>
+            <a:off x="6491898" y="2157286"/>
+            <a:ext cx="3871660" cy="600164"/>
+          </a:xfrm>
+          <a:prstGeom prst="rect">
+            <a:avLst/>
+          </a:prstGeom>
+          <a:noFill/>
+          <a:ln w="12700">
+            <a:solidFill>
+              <a:srgbClr val="FF7876"/>
+            </a:solidFill>
+          </a:ln>
+        </p:spPr>
+        <p:txBody>
+          <a:bodyPr wrap="square" rtlCol="0">
+            <a:spAutoFit/>
+          </a:bodyPr>
+          <a:lstStyle/>
+          <a:p>
+            <a:pPr algn="ctr"/>
+            <a:r>
+              <a:rPr lang="en-US" altLang="ko-KR" sz="1100" dirty="0"/>
+              <a:t>main</a:t>
+            </a:r>
+            <a:r>
+              <a:rPr lang="ko-KR" altLang="en-US" sz="1100" dirty="0"/>
+              <a:t>화면에서 정보들을 </a:t>
+            </a:r>
+            <a:r>
+              <a:rPr lang="en-US" altLang="ko-KR" sz="1100" dirty="0"/>
+              <a:t>POST</a:t>
+            </a:r>
+            <a:r>
+              <a:rPr lang="ko-KR" altLang="en-US" sz="1100" dirty="0"/>
+              <a:t>형식으로</a:t>
+            </a:r>
+            <a:endParaRPr lang="en-US" altLang="ko-KR" sz="1100" dirty="0"/>
+          </a:p>
+          <a:p>
+            <a:pPr algn="ctr"/>
+            <a:r>
+              <a:rPr lang="ko-KR" altLang="en-US" sz="1100" dirty="0"/>
+              <a:t>데이터를 받아와 </a:t>
+            </a:r>
+            <a:r>
+              <a:rPr lang="ko-KR" altLang="en-US" sz="1100" dirty="0" err="1"/>
+              <a:t>검색값들을</a:t>
+            </a:r>
+            <a:r>
+              <a:rPr lang="ko-KR" altLang="en-US" sz="1100" dirty="0"/>
+              <a:t> 출력해주는</a:t>
+            </a:r>
+            <a:endParaRPr lang="en-US" altLang="ko-KR" sz="1100" dirty="0"/>
+          </a:p>
+          <a:p>
+            <a:pPr algn="ctr"/>
+            <a:r>
+              <a:rPr lang="en-US" altLang="ko-KR" sz="1100" dirty="0" err="1"/>
+              <a:t>show.html</a:t>
+            </a:r>
+            <a:r>
+              <a:rPr lang="ko-KR" altLang="en-US" sz="1100" dirty="0"/>
+              <a:t>을 렌더링하여 표현해주는 부분입니다</a:t>
+            </a:r>
+            <a:r>
+              <a:rPr lang="en-US" altLang="ko-KR" sz="1100" dirty="0"/>
+              <a:t>.</a:t>
+            </a:r>
+          </a:p>
+        </p:txBody>
+      </p:sp>
+      <p:sp>
+        <p:nvSpPr>
+          <p:cNvPr id="19" name="오른쪽 중괄호[R] 18">
+            <a:extLst>
+              <a:ext uri="{FF2B5EF4-FFF2-40B4-BE49-F238E27FC236}">
+                <a16:creationId xmlns:a16="http://schemas.microsoft.com/office/drawing/2014/main" id="{BBDF1FD4-310F-7C45-BC79-B3D325D36120}"/>
+              </a:ext>
+            </a:extLst>
+          </p:cNvPr>
+          <p:cNvSpPr/>
+          <p:nvPr/>
+        </p:nvSpPr>
+        <p:spPr>
+          <a:xfrm>
+            <a:off x="4974405" y="2992018"/>
+            <a:ext cx="241918" cy="386678"/>
+          </a:xfrm>
+          <a:prstGeom prst="rightBrace">
+            <a:avLst/>
+          </a:prstGeom>
+          <a:ln w="12700">
+            <a:solidFill>
+              <a:srgbClr val="FF7876"/>
+            </a:solidFill>
+          </a:ln>
+        </p:spPr>
+        <p:style>
+          <a:lnRef idx="1">
+            <a:schemeClr val="accent1"/>
+          </a:lnRef>
+          <a:fillRef idx="0">
+            <a:schemeClr val="accent1"/>
+          </a:fillRef>
+          <a:effectRef idx="0">
+            <a:schemeClr val="accent1"/>
+          </a:effectRef>
+          <a:fontRef idx="minor">
+            <a:schemeClr val="tx1"/>
+          </a:fontRef>
+        </p:style>
+        <p:txBody>
+          <a:bodyPr rtlCol="0" anchor="ctr"/>
+          <a:lstStyle/>
+          <a:p>
+            <a:pPr algn="ctr"/>
+            <a:endParaRPr kumimoji="1" lang="ko-Kore-KR" altLang="en-US" dirty="0"/>
+          </a:p>
+        </p:txBody>
+      </p:sp>
+      <p:cxnSp>
+        <p:nvCxnSpPr>
+          <p:cNvPr id="20" name="직선 화살표 연결선 19">
+            <a:extLst>
+              <a:ext uri="{FF2B5EF4-FFF2-40B4-BE49-F238E27FC236}">
+                <a16:creationId xmlns:a16="http://schemas.microsoft.com/office/drawing/2014/main" id="{EC010041-3EF8-1540-8EC1-1A4F1356DAB7}"/>
+              </a:ext>
+            </a:extLst>
+          </p:cNvPr>
+          <p:cNvCxnSpPr>
+            <a:cxnSpLocks/>
+          </p:cNvCxnSpPr>
+          <p:nvPr/>
+        </p:nvCxnSpPr>
+        <p:spPr>
+          <a:xfrm flipV="1">
+            <a:off x="5216323" y="3185357"/>
+            <a:ext cx="1275575" cy="1"/>
+          </a:xfrm>
+          <a:prstGeom prst="straightConnector1">
+            <a:avLst/>
+          </a:prstGeom>
+          <a:ln w="12700">
+            <a:solidFill>
+              <a:srgbClr val="FF7876"/>
+            </a:solidFill>
+            <a:tailEnd type="triangle"/>
+          </a:ln>
+        </p:spPr>
+        <p:style>
+          <a:lnRef idx="1">
+            <a:schemeClr val="accent1"/>
+          </a:lnRef>
+          <a:fillRef idx="0">
+            <a:schemeClr val="accent1"/>
+          </a:fillRef>
+          <a:effectRef idx="0">
+            <a:schemeClr val="accent1"/>
+          </a:effectRef>
+          <a:fontRef idx="minor">
+            <a:schemeClr val="tx1"/>
+          </a:fontRef>
+        </p:style>
+      </p:cxnSp>
+      <p:sp>
+        <p:nvSpPr>
+          <p:cNvPr id="22" name="TextBox 21">
+            <a:extLst>
+              <a:ext uri="{FF2B5EF4-FFF2-40B4-BE49-F238E27FC236}">
+                <a16:creationId xmlns:a16="http://schemas.microsoft.com/office/drawing/2014/main" id="{6ADB62CE-41FC-2A41-BC14-655571ED15AA}"/>
+              </a:ext>
+            </a:extLst>
+          </p:cNvPr>
+          <p:cNvSpPr txBox="1"/>
+          <p:nvPr/>
+        </p:nvSpPr>
+        <p:spPr>
+          <a:xfrm>
+            <a:off x="6491898" y="2885275"/>
+            <a:ext cx="3871660" cy="430887"/>
+          </a:xfrm>
+          <a:prstGeom prst="rect">
+            <a:avLst/>
+          </a:prstGeom>
+          <a:noFill/>
+          <a:ln w="12700">
+            <a:solidFill>
+              <a:srgbClr val="FF7876"/>
+            </a:solidFill>
+          </a:ln>
+        </p:spPr>
+        <p:txBody>
+          <a:bodyPr wrap="square" rtlCol="0">
+            <a:spAutoFit/>
+          </a:bodyPr>
+          <a:lstStyle/>
+          <a:p>
+            <a:pPr algn="ctr"/>
+            <a:r>
+              <a:rPr lang="ko-KR" altLang="en-US" sz="1100" dirty="0" err="1"/>
+              <a:t>크롤링을</a:t>
+            </a:r>
+            <a:r>
+              <a:rPr lang="ko-KR" altLang="en-US" sz="1100" dirty="0"/>
+              <a:t> 위해 </a:t>
+            </a:r>
+            <a:r>
+              <a:rPr lang="ko-KR" altLang="en-US" sz="1100" dirty="0" err="1"/>
+              <a:t>운세페이지</a:t>
+            </a:r>
+            <a:r>
+              <a:rPr lang="ko-KR" altLang="en-US" sz="1100" dirty="0"/>
+              <a:t> 정보를 받아와</a:t>
+            </a:r>
+            <a:endParaRPr lang="en-US" altLang="ko-KR" sz="1100" dirty="0"/>
+          </a:p>
+          <a:p>
+            <a:pPr algn="ctr"/>
+            <a:r>
+              <a:rPr lang="en-US" altLang="ko-KR" sz="1100" dirty="0"/>
+              <a:t>BS</a:t>
+            </a:r>
+            <a:r>
+              <a:rPr lang="ko-KR" altLang="en-US" sz="1100" dirty="0"/>
+              <a:t>로 </a:t>
+            </a:r>
+            <a:r>
+              <a:rPr lang="ko-KR" altLang="en-US" sz="1100" dirty="0" err="1"/>
+              <a:t>파싱을</a:t>
+            </a:r>
+            <a:r>
+              <a:rPr lang="ko-KR" altLang="en-US" sz="1100" dirty="0"/>
+              <a:t> 합니다</a:t>
+            </a:r>
+            <a:r>
+              <a:rPr lang="en-US" altLang="ko-KR" sz="1100" dirty="0"/>
+              <a:t>.</a:t>
+            </a:r>
+          </a:p>
+        </p:txBody>
+      </p:sp>
+      <p:sp>
+        <p:nvSpPr>
+          <p:cNvPr id="23" name="오른쪽 중괄호[R] 22">
+            <a:extLst>
+              <a:ext uri="{FF2B5EF4-FFF2-40B4-BE49-F238E27FC236}">
+                <a16:creationId xmlns:a16="http://schemas.microsoft.com/office/drawing/2014/main" id="{5EBE15BB-6CC9-2C4E-934E-167E96523673}"/>
+              </a:ext>
+            </a:extLst>
+          </p:cNvPr>
+          <p:cNvSpPr/>
+          <p:nvPr/>
+        </p:nvSpPr>
+        <p:spPr>
+          <a:xfrm>
+            <a:off x="1849531" y="3492375"/>
+            <a:ext cx="241918" cy="386678"/>
+          </a:xfrm>
+          <a:prstGeom prst="rightBrace">
+            <a:avLst/>
+          </a:prstGeom>
+          <a:ln w="12700">
+            <a:solidFill>
+              <a:srgbClr val="FF7876"/>
+            </a:solidFill>
+          </a:ln>
+        </p:spPr>
+        <p:style>
+          <a:lnRef idx="1">
+            <a:schemeClr val="accent1"/>
+          </a:lnRef>
+          <a:fillRef idx="0">
+            <a:schemeClr val="accent1"/>
+          </a:fillRef>
+          <a:effectRef idx="0">
+            <a:schemeClr val="accent1"/>
+          </a:effectRef>
+          <a:fontRef idx="minor">
+            <a:schemeClr val="tx1"/>
+          </a:fontRef>
+        </p:style>
+        <p:txBody>
+          <a:bodyPr rtlCol="0" anchor="ctr"/>
+          <a:lstStyle/>
+          <a:p>
+            <a:pPr algn="ctr"/>
+            <a:endParaRPr kumimoji="1" lang="ko-Kore-KR" altLang="en-US" dirty="0"/>
+          </a:p>
+        </p:txBody>
+      </p:sp>
+      <p:cxnSp>
+        <p:nvCxnSpPr>
+          <p:cNvPr id="24" name="직선 화살표 연결선 23">
+            <a:extLst>
+              <a:ext uri="{FF2B5EF4-FFF2-40B4-BE49-F238E27FC236}">
+                <a16:creationId xmlns:a16="http://schemas.microsoft.com/office/drawing/2014/main" id="{4DF52F0A-04F3-2340-BB24-FEE19F79302B}"/>
+              </a:ext>
+            </a:extLst>
+          </p:cNvPr>
+          <p:cNvCxnSpPr>
+            <a:cxnSpLocks/>
+          </p:cNvCxnSpPr>
+          <p:nvPr/>
+        </p:nvCxnSpPr>
+        <p:spPr>
+          <a:xfrm flipV="1">
+            <a:off x="2081005" y="3685714"/>
+            <a:ext cx="4402801" cy="1"/>
+          </a:xfrm>
+          <a:prstGeom prst="straightConnector1">
+            <a:avLst/>
+          </a:prstGeom>
+          <a:ln w="12700">
+            <a:solidFill>
+              <a:srgbClr val="FF7876"/>
+            </a:solidFill>
+            <a:tailEnd type="triangle"/>
+          </a:ln>
+        </p:spPr>
+        <p:style>
+          <a:lnRef idx="1">
+            <a:schemeClr val="accent1"/>
+          </a:lnRef>
+          <a:fillRef idx="0">
+            <a:schemeClr val="accent1"/>
+          </a:fillRef>
+          <a:effectRef idx="0">
+            <a:schemeClr val="accent1"/>
+          </a:effectRef>
+          <a:fontRef idx="minor">
+            <a:schemeClr val="tx1"/>
+          </a:fontRef>
+        </p:style>
+      </p:cxnSp>
+      <p:sp>
+        <p:nvSpPr>
+          <p:cNvPr id="26" name="TextBox 25">
+            <a:extLst>
+              <a:ext uri="{FF2B5EF4-FFF2-40B4-BE49-F238E27FC236}">
+                <a16:creationId xmlns:a16="http://schemas.microsoft.com/office/drawing/2014/main" id="{5A1D64C3-2C03-8C4A-8B4D-E0B9668A90A7}"/>
+              </a:ext>
+            </a:extLst>
+          </p:cNvPr>
+          <p:cNvSpPr txBox="1"/>
+          <p:nvPr/>
+        </p:nvSpPr>
+        <p:spPr>
+          <a:xfrm>
+            <a:off x="6491898" y="3485440"/>
+            <a:ext cx="3871660" cy="600164"/>
+          </a:xfrm>
+          <a:prstGeom prst="rect">
+            <a:avLst/>
+          </a:prstGeom>
+          <a:noFill/>
+          <a:ln w="12700">
+            <a:solidFill>
+              <a:srgbClr val="FF7876"/>
+            </a:solidFill>
+          </a:ln>
+        </p:spPr>
+        <p:txBody>
+          <a:bodyPr wrap="square" rtlCol="0">
+            <a:spAutoFit/>
+          </a:bodyPr>
+          <a:lstStyle/>
+          <a:p>
+            <a:pPr algn="ctr"/>
+            <a:r>
+              <a:rPr lang="en-US" altLang="ko-KR" sz="1100" dirty="0" err="1"/>
+              <a:t>main.html</a:t>
+            </a:r>
+            <a:r>
+              <a:rPr lang="ko-KR" altLang="en-US" sz="1100" dirty="0"/>
+              <a:t>에서 생성한 날짜 정보 데이터 </a:t>
+            </a:r>
+            <a:r>
+              <a:rPr lang="en-US" altLang="ko-KR" sz="1100" dirty="0" err="1"/>
+              <a:t>ymd</a:t>
+            </a:r>
+            <a:r>
+              <a:rPr lang="ko-KR" altLang="en-US" sz="1100" dirty="0" err="1"/>
+              <a:t>를</a:t>
+            </a:r>
+            <a:r>
+              <a:rPr lang="ko-KR" altLang="en-US" sz="1100" dirty="0"/>
+              <a:t> 받아올</a:t>
+            </a:r>
+            <a:endParaRPr lang="en-US" altLang="ko-KR" sz="1100" dirty="0"/>
+          </a:p>
+          <a:p>
+            <a:pPr algn="ctr"/>
+            <a:r>
+              <a:rPr lang="ko-KR" altLang="en-US" sz="1100" dirty="0"/>
+              <a:t>변수 설정 부분입니다</a:t>
+            </a:r>
+            <a:r>
+              <a:rPr lang="en-US" altLang="ko-KR" sz="1100" dirty="0"/>
+              <a:t>.</a:t>
+            </a:r>
+          </a:p>
+          <a:p>
+            <a:pPr algn="ctr"/>
+            <a:r>
+              <a:rPr lang="ko-KR" altLang="en-US" sz="1100" dirty="0"/>
+              <a:t>연월일 구분을 위해 </a:t>
+            </a:r>
+            <a:r>
+              <a:rPr lang="en-US" altLang="ko-KR" sz="1100" dirty="0"/>
+              <a:t>split</a:t>
+            </a:r>
+            <a:r>
+              <a:rPr lang="ko-KR" altLang="en-US" sz="1100" dirty="0"/>
+              <a:t>을 진행합니다</a:t>
+            </a:r>
+            <a:r>
+              <a:rPr lang="en-US" altLang="ko-KR" sz="1100" dirty="0"/>
+              <a:t>.</a:t>
+            </a:r>
+          </a:p>
+        </p:txBody>
+      </p:sp>
+      <p:sp>
+        <p:nvSpPr>
+          <p:cNvPr id="27" name="오른쪽 중괄호[R] 26">
+            <a:extLst>
+              <a:ext uri="{FF2B5EF4-FFF2-40B4-BE49-F238E27FC236}">
+                <a16:creationId xmlns:a16="http://schemas.microsoft.com/office/drawing/2014/main" id="{FB4BF14F-4F84-894B-AD0E-8480B6B56282}"/>
+              </a:ext>
+            </a:extLst>
+          </p:cNvPr>
+          <p:cNvSpPr/>
+          <p:nvPr/>
+        </p:nvSpPr>
+        <p:spPr>
+          <a:xfrm>
+            <a:off x="4575199" y="3994993"/>
+            <a:ext cx="241918" cy="447523"/>
+          </a:xfrm>
+          <a:prstGeom prst="rightBrace">
+            <a:avLst/>
+          </a:prstGeom>
+          <a:ln w="12700">
+            <a:solidFill>
+              <a:srgbClr val="FF7876"/>
+            </a:solidFill>
+          </a:ln>
+        </p:spPr>
+        <p:style>
+          <a:lnRef idx="1">
+            <a:schemeClr val="accent1"/>
+          </a:lnRef>
+          <a:fillRef idx="0">
+            <a:schemeClr val="accent1"/>
+          </a:fillRef>
+          <a:effectRef idx="0">
+            <a:schemeClr val="accent1"/>
+          </a:effectRef>
+          <a:fontRef idx="minor">
+            <a:schemeClr val="tx1"/>
+          </a:fontRef>
+        </p:style>
+        <p:txBody>
+          <a:bodyPr rtlCol="0" anchor="ctr"/>
+          <a:lstStyle/>
+          <a:p>
+            <a:pPr algn="ctr"/>
+            <a:endParaRPr kumimoji="1" lang="ko-Kore-KR" altLang="en-US" dirty="0"/>
+          </a:p>
+        </p:txBody>
+      </p:sp>
+      <p:cxnSp>
+        <p:nvCxnSpPr>
+          <p:cNvPr id="28" name="직선 화살표 연결선 27">
+            <a:extLst>
+              <a:ext uri="{FF2B5EF4-FFF2-40B4-BE49-F238E27FC236}">
+                <a16:creationId xmlns:a16="http://schemas.microsoft.com/office/drawing/2014/main" id="{84F1FFB8-DB6B-DF4E-88AA-080A18BFB8B3}"/>
+              </a:ext>
+            </a:extLst>
+          </p:cNvPr>
+          <p:cNvCxnSpPr>
+            <a:cxnSpLocks/>
+          </p:cNvCxnSpPr>
+          <p:nvPr/>
+        </p:nvCxnSpPr>
+        <p:spPr>
+          <a:xfrm flipV="1">
+            <a:off x="4781481" y="4218754"/>
+            <a:ext cx="1611227" cy="8094"/>
+          </a:xfrm>
+          <a:prstGeom prst="straightConnector1">
+            <a:avLst/>
+          </a:prstGeom>
+          <a:ln w="12700">
+            <a:solidFill>
+              <a:srgbClr val="FF7876"/>
+            </a:solidFill>
+            <a:tailEnd type="triangle"/>
+          </a:ln>
+        </p:spPr>
+        <p:style>
+          <a:lnRef idx="1">
+            <a:schemeClr val="accent1"/>
+          </a:lnRef>
+          <a:fillRef idx="0">
+            <a:schemeClr val="accent1"/>
+          </a:fillRef>
+          <a:effectRef idx="0">
+            <a:schemeClr val="accent1"/>
+          </a:effectRef>
+          <a:fontRef idx="minor">
+            <a:schemeClr val="tx1"/>
+          </a:fontRef>
+        </p:style>
+      </p:cxnSp>
+      <p:sp>
+        <p:nvSpPr>
+          <p:cNvPr id="30" name="TextBox 29">
+            <a:extLst>
+              <a:ext uri="{FF2B5EF4-FFF2-40B4-BE49-F238E27FC236}">
+                <a16:creationId xmlns:a16="http://schemas.microsoft.com/office/drawing/2014/main" id="{EB45392F-92FC-5246-8628-D5DBB412566D}"/>
+              </a:ext>
+            </a:extLst>
+          </p:cNvPr>
+          <p:cNvSpPr txBox="1"/>
+          <p:nvPr/>
+        </p:nvSpPr>
+        <p:spPr>
+          <a:xfrm>
+            <a:off x="6392708" y="4142434"/>
+            <a:ext cx="4523448" cy="600164"/>
+          </a:xfrm>
+          <a:prstGeom prst="rect">
+            <a:avLst/>
+          </a:prstGeom>
+          <a:noFill/>
+          <a:ln w="12700">
+            <a:solidFill>
+              <a:srgbClr val="FF7876"/>
+            </a:solidFill>
+          </a:ln>
+        </p:spPr>
+        <p:txBody>
+          <a:bodyPr wrap="square" rtlCol="0">
+            <a:spAutoFit/>
+          </a:bodyPr>
+          <a:lstStyle/>
+          <a:p>
+            <a:pPr algn="ctr"/>
+            <a:r>
+              <a:rPr lang="ko-Kore-KR" altLang="en-US" sz="1100" dirty="0"/>
+              <a:t>띠 계산을 진행할 코드입니다</a:t>
+            </a:r>
+            <a:r>
+              <a:rPr lang="en-US" altLang="ko-Kore-KR" sz="1100" dirty="0"/>
+              <a:t>.</a:t>
+            </a:r>
+          </a:p>
+          <a:p>
+            <a:pPr algn="ctr"/>
+            <a:r>
+              <a:rPr lang="en-US" altLang="ko-KR" sz="1100" dirty="0"/>
+              <a:t>12</a:t>
+            </a:r>
+            <a:r>
+              <a:rPr lang="ko-KR" altLang="en-US" sz="1100" dirty="0"/>
+              <a:t>간지에 맞게 연도를 구분하여 계산하고</a:t>
+            </a:r>
+            <a:endParaRPr lang="en-US" altLang="ko-KR" sz="1100" dirty="0"/>
+          </a:p>
+          <a:p>
+            <a:pPr algn="ctr"/>
+            <a:r>
+              <a:rPr lang="ko-KR" altLang="en-US" sz="1100" dirty="0"/>
+              <a:t>추후 연도에 맞는 운세를 추출하기위해 변수를 생성합니다</a:t>
+            </a:r>
+            <a:r>
+              <a:rPr lang="en-US" altLang="ko-KR" sz="1100" dirty="0"/>
+              <a:t>.</a:t>
+            </a:r>
+          </a:p>
+        </p:txBody>
+      </p:sp>
+      <p:sp>
+        <p:nvSpPr>
+          <p:cNvPr id="31" name="오른쪽 중괄호[R] 30">
+            <a:extLst>
+              <a:ext uri="{FF2B5EF4-FFF2-40B4-BE49-F238E27FC236}">
+                <a16:creationId xmlns:a16="http://schemas.microsoft.com/office/drawing/2014/main" id="{2415603D-FFD5-0547-B3D1-B4497841B56A}"/>
+              </a:ext>
+            </a:extLst>
+          </p:cNvPr>
+          <p:cNvSpPr/>
+          <p:nvPr/>
+        </p:nvSpPr>
+        <p:spPr>
+          <a:xfrm>
+            <a:off x="3227691" y="4636737"/>
+            <a:ext cx="241918" cy="1285322"/>
+          </a:xfrm>
+          <a:prstGeom prst="rightBrace">
+            <a:avLst/>
+          </a:prstGeom>
+          <a:ln w="12700">
+            <a:solidFill>
+              <a:srgbClr val="FF7876"/>
+            </a:solidFill>
+          </a:ln>
+        </p:spPr>
+        <p:style>
+          <a:lnRef idx="1">
+            <a:schemeClr val="accent1"/>
+          </a:lnRef>
+          <a:fillRef idx="0">
+            <a:schemeClr val="accent1"/>
+          </a:fillRef>
+          <a:effectRef idx="0">
+            <a:schemeClr val="accent1"/>
+          </a:effectRef>
+          <a:fontRef idx="minor">
+            <a:schemeClr val="tx1"/>
+          </a:fontRef>
+        </p:style>
+        <p:txBody>
+          <a:bodyPr rtlCol="0" anchor="ctr"/>
+          <a:lstStyle/>
+          <a:p>
+            <a:pPr algn="ctr"/>
+            <a:endParaRPr kumimoji="1" lang="ko-Kore-KR" altLang="en-US" dirty="0"/>
+          </a:p>
+        </p:txBody>
+      </p:sp>
+      <p:cxnSp>
+        <p:nvCxnSpPr>
+          <p:cNvPr id="32" name="직선 화살표 연결선 31">
+            <a:extLst>
+              <a:ext uri="{FF2B5EF4-FFF2-40B4-BE49-F238E27FC236}">
+                <a16:creationId xmlns:a16="http://schemas.microsoft.com/office/drawing/2014/main" id="{DA352282-0630-964C-90B3-070134DFA57A}"/>
+              </a:ext>
+            </a:extLst>
+          </p:cNvPr>
+          <p:cNvCxnSpPr>
+            <a:cxnSpLocks/>
+          </p:cNvCxnSpPr>
+          <p:nvPr/>
+        </p:nvCxnSpPr>
+        <p:spPr>
+          <a:xfrm flipV="1">
+            <a:off x="3437241" y="5279398"/>
+            <a:ext cx="2955467" cy="1457"/>
+          </a:xfrm>
+          <a:prstGeom prst="straightConnector1">
+            <a:avLst/>
+          </a:prstGeom>
+          <a:ln w="12700">
+            <a:solidFill>
+              <a:srgbClr val="FF7876"/>
+            </a:solidFill>
+            <a:tailEnd type="triangle"/>
+          </a:ln>
+        </p:spPr>
+        <p:style>
+          <a:lnRef idx="1">
+            <a:schemeClr val="accent1"/>
+          </a:lnRef>
+          <a:fillRef idx="0">
+            <a:schemeClr val="accent1"/>
+          </a:fillRef>
+          <a:effectRef idx="0">
+            <a:schemeClr val="accent1"/>
+          </a:effectRef>
+          <a:fontRef idx="minor">
+            <a:schemeClr val="tx1"/>
+          </a:fontRef>
+        </p:style>
+      </p:cxnSp>
+      <p:sp>
+        <p:nvSpPr>
+          <p:cNvPr id="34" name="TextBox 33">
+            <a:extLst>
+              <a:ext uri="{FF2B5EF4-FFF2-40B4-BE49-F238E27FC236}">
+                <a16:creationId xmlns:a16="http://schemas.microsoft.com/office/drawing/2014/main" id="{42FCBC80-70E1-8F42-806E-98CE191D275F}"/>
+              </a:ext>
+            </a:extLst>
+          </p:cNvPr>
+          <p:cNvSpPr txBox="1"/>
+          <p:nvPr/>
+        </p:nvSpPr>
+        <p:spPr>
+          <a:xfrm>
+            <a:off x="6392708" y="5033488"/>
+            <a:ext cx="4523448" cy="430887"/>
+          </a:xfrm>
+          <a:prstGeom prst="rect">
+            <a:avLst/>
+          </a:prstGeom>
+          <a:noFill/>
+          <a:ln w="12700">
+            <a:solidFill>
+              <a:srgbClr val="FF7876"/>
+            </a:solidFill>
+          </a:ln>
+        </p:spPr>
+        <p:txBody>
+          <a:bodyPr wrap="square" rtlCol="0">
+            <a:spAutoFit/>
+          </a:bodyPr>
+          <a:lstStyle/>
+          <a:p>
+            <a:pPr algn="ctr"/>
+            <a:r>
+              <a:rPr lang="ko-KR" altLang="en-US" sz="1100" dirty="0" err="1"/>
+              <a:t>웹페이지의</a:t>
+            </a:r>
+            <a:r>
+              <a:rPr lang="ko-KR" altLang="en-US" sz="1100" dirty="0"/>
+              <a:t> </a:t>
+            </a:r>
+            <a:r>
+              <a:rPr lang="ko-KR" altLang="en-US" sz="1100" dirty="0" err="1"/>
+              <a:t>운세목록을</a:t>
+            </a:r>
+            <a:r>
+              <a:rPr lang="ko-KR" altLang="en-US" sz="1100" dirty="0"/>
+              <a:t> 추출하여</a:t>
+            </a:r>
+            <a:endParaRPr lang="en-US" altLang="ko-KR" sz="1100" dirty="0"/>
+          </a:p>
+          <a:p>
+            <a:pPr algn="ctr"/>
+            <a:r>
+              <a:rPr lang="ko-KR" altLang="en-US" sz="1100" dirty="0"/>
+              <a:t>사용자의 변수에 맞는 데이터를 생성합니다</a:t>
+            </a:r>
+            <a:r>
+              <a:rPr lang="en-US" altLang="ko-KR" sz="1100" dirty="0"/>
+              <a:t>.</a:t>
+            </a:r>
+          </a:p>
+        </p:txBody>
+      </p:sp>
+      <p:cxnSp>
+        <p:nvCxnSpPr>
+          <p:cNvPr id="35" name="직선 화살표 연결선 34">
+            <a:extLst>
+              <a:ext uri="{FF2B5EF4-FFF2-40B4-BE49-F238E27FC236}">
+                <a16:creationId xmlns:a16="http://schemas.microsoft.com/office/drawing/2014/main" id="{C0206071-8821-0047-BDA8-92370769D405}"/>
+              </a:ext>
+            </a:extLst>
+          </p:cNvPr>
+          <p:cNvCxnSpPr>
+            <a:cxnSpLocks/>
+          </p:cNvCxnSpPr>
+          <p:nvPr/>
+        </p:nvCxnSpPr>
+        <p:spPr>
+          <a:xfrm flipV="1">
+            <a:off x="3010057" y="6241932"/>
+            <a:ext cx="3569710" cy="3709"/>
+          </a:xfrm>
+          <a:prstGeom prst="straightConnector1">
+            <a:avLst/>
+          </a:prstGeom>
+          <a:ln w="12700">
+            <a:solidFill>
+              <a:srgbClr val="FF7876"/>
+            </a:solidFill>
+            <a:tailEnd type="triangle"/>
+          </a:ln>
+        </p:spPr>
+        <p:style>
+          <a:lnRef idx="1">
+            <a:schemeClr val="accent1"/>
+          </a:lnRef>
+          <a:fillRef idx="0">
+            <a:schemeClr val="accent1"/>
+          </a:fillRef>
+          <a:effectRef idx="0">
+            <a:schemeClr val="accent1"/>
+          </a:effectRef>
+          <a:fontRef idx="minor">
+            <a:schemeClr val="tx1"/>
+          </a:fontRef>
+        </p:style>
+      </p:cxnSp>
+      <p:sp>
+        <p:nvSpPr>
+          <p:cNvPr id="40" name="TextBox 39">
+            <a:extLst>
+              <a:ext uri="{FF2B5EF4-FFF2-40B4-BE49-F238E27FC236}">
+                <a16:creationId xmlns:a16="http://schemas.microsoft.com/office/drawing/2014/main" id="{06903668-0D13-DE46-AAF3-93369858E114}"/>
+              </a:ext>
+            </a:extLst>
+          </p:cNvPr>
+          <p:cNvSpPr txBox="1"/>
+          <p:nvPr/>
+        </p:nvSpPr>
+        <p:spPr>
+          <a:xfrm>
+            <a:off x="6579767" y="5987562"/>
+            <a:ext cx="4523448" cy="600164"/>
+          </a:xfrm>
+          <a:prstGeom prst="rect">
+            <a:avLst/>
+          </a:prstGeom>
+          <a:noFill/>
+          <a:ln w="12700">
+            <a:solidFill>
+              <a:srgbClr val="FF7876"/>
+            </a:solidFill>
+          </a:ln>
+        </p:spPr>
+        <p:txBody>
+          <a:bodyPr wrap="square" rtlCol="0">
+            <a:spAutoFit/>
+          </a:bodyPr>
+          <a:lstStyle/>
+          <a:p>
+            <a:pPr algn="ctr"/>
+            <a:r>
+              <a:rPr lang="ko-Kore-KR" altLang="en-US" sz="1100" dirty="0"/>
+              <a:t>생성했던 변수들 중 필요한 데이터들만을 </a:t>
+            </a:r>
+            <a:r>
+              <a:rPr lang="en-US" altLang="ko-Kore-KR" sz="1100" dirty="0" err="1"/>
+              <a:t>show.html</a:t>
+            </a:r>
+            <a:r>
+              <a:rPr lang="ko-Kore-KR" altLang="en-US" sz="1100" dirty="0"/>
+              <a:t>에서</a:t>
+            </a:r>
+            <a:endParaRPr lang="en-US" altLang="ko-Kore-KR" sz="1100" dirty="0"/>
+          </a:p>
+          <a:p>
+            <a:pPr algn="ctr"/>
+            <a:r>
+              <a:rPr lang="ko-Kore-KR" altLang="en-US" sz="1100" dirty="0"/>
+              <a:t>표현될 수 있도록 매개변수를 넘겨주어 렌더링 하여</a:t>
+            </a:r>
+            <a:endParaRPr lang="en-US" altLang="ko-Kore-KR" sz="1100" dirty="0"/>
+          </a:p>
+          <a:p>
+            <a:pPr algn="ctr"/>
+            <a:r>
+              <a:rPr lang="ko-Kore-KR" altLang="en-US" sz="1100" dirty="0"/>
+              <a:t>웹에 출력하도록 합니다</a:t>
+            </a:r>
+            <a:r>
+              <a:rPr lang="en-US" altLang="ko-Kore-KR" sz="1100" dirty="0"/>
+              <a:t>.</a:t>
+            </a:r>
+            <a:endParaRPr lang="en-US" altLang="ko-KR" sz="1100" dirty="0"/>
+          </a:p>
+        </p:txBody>
+      </p:sp>
     </p:spTree>
     <p:extLst>
       <p:ext uri="{BB962C8B-B14F-4D97-AF65-F5344CB8AC3E}">
-        <p14:creationId xmlns:p14="http://schemas.microsoft.com/office/powerpoint/2010/main" val="1066393970"/>
+        <p14:creationId xmlns:p14="http://schemas.microsoft.com/office/powerpoint/2010/main" val="2353623422"/>
       </p:ext>
     </p:extLst>
   </p:cSld>
